--- a/HTML_CSS/1 - HTML - TAG.pptx
+++ b/HTML_CSS/1 - HTML - TAG.pptx
@@ -5,15 +5,22 @@
     <p:sldMasterId id="2147483756" r:id="rId1"/>
   </p:sldMasterIdLst>
   <p:notesMasterIdLst>
-    <p:notesMasterId r:id="rId8"/>
+    <p:notesMasterId r:id="rId15"/>
   </p:notesMasterIdLst>
   <p:sldIdLst>
     <p:sldId id="261" r:id="rId2"/>
     <p:sldId id="262" r:id="rId3"/>
     <p:sldId id="263" r:id="rId4"/>
-    <p:sldId id="264" r:id="rId5"/>
-    <p:sldId id="265" r:id="rId6"/>
-    <p:sldId id="266" r:id="rId7"/>
+    <p:sldId id="267" r:id="rId5"/>
+    <p:sldId id="269" r:id="rId6"/>
+    <p:sldId id="264" r:id="rId7"/>
+    <p:sldId id="268" r:id="rId8"/>
+    <p:sldId id="265" r:id="rId9"/>
+    <p:sldId id="266" r:id="rId10"/>
+    <p:sldId id="270" r:id="rId11"/>
+    <p:sldId id="271" r:id="rId12"/>
+    <p:sldId id="272" r:id="rId13"/>
+    <p:sldId id="273" r:id="rId14"/>
   </p:sldIdLst>
   <p:sldSz cx="12192000" cy="6858000"/>
   <p:notesSz cx="6858000" cy="9144000"/>
@@ -202,7 +209,7 @@
           <a:p>
             <a:fld id="{B930DA66-80EF-428A-8012-5FFD0E1E8A40}" type="datetimeFigureOut">
               <a:rPr lang="pt-BR" smtClean="0"/>
-              <a:t>14/05/2024</a:t>
+              <a:t>15/05/2024</a:t>
             </a:fld>
             <a:endParaRPr lang="pt-BR"/>
           </a:p>
@@ -648,7 +655,7 @@
           <a:effectLst/>
           <a:extLst>
             <a:ext uri="{91240B29-F687-4f45-9708-019B960494DF}">
-              <a14:hiddenLine xmlns:a14="http://schemas.microsoft.com/office/drawing/2010/main" xmlns="" w="9525">
+              <a14:hiddenLine xmlns="" xmlns:a14="http://schemas.microsoft.com/office/drawing/2010/main" w="9525">
                 <a:solidFill>
                   <a:srgbClr val="000000"/>
                 </a:solidFill>
@@ -841,7 +848,7 @@
             <a:fld id="{9334D819-9F07-4261-B09B-9E467E5D9002}" type="datetimeFigureOut">
               <a:rPr lang="en-US" smtClean="0"/>
               <a:pPr/>
-              <a:t>5/14/2024</a:t>
+              <a:t>5/15/2024</a:t>
             </a:fld>
             <a:endParaRPr lang="en-US" dirty="0"/>
           </a:p>
@@ -1161,7 +1168,7 @@
             <a:fld id="{9334D819-9F07-4261-B09B-9E467E5D9002}" type="datetimeFigureOut">
               <a:rPr lang="en-US" smtClean="0"/>
               <a:pPr/>
-              <a:t>5/14/2024</a:t>
+              <a:t>5/15/2024</a:t>
             </a:fld>
             <a:endParaRPr lang="en-US" dirty="0"/>
           </a:p>
@@ -1651,7 +1658,7 @@
             <a:fld id="{9334D819-9F07-4261-B09B-9E467E5D9002}" type="datetimeFigureOut">
               <a:rPr lang="en-US" smtClean="0"/>
               <a:pPr/>
-              <a:t>5/14/2024</a:t>
+              <a:t>5/15/2024</a:t>
             </a:fld>
             <a:endParaRPr lang="en-US" dirty="0"/>
           </a:p>
@@ -2022,7 +2029,7 @@
             <a:fld id="{9334D819-9F07-4261-B09B-9E467E5D9002}" type="datetimeFigureOut">
               <a:rPr lang="en-US" smtClean="0"/>
               <a:pPr/>
-              <a:t>5/14/2024</a:t>
+              <a:t>5/15/2024</a:t>
             </a:fld>
             <a:endParaRPr lang="en-US" dirty="0"/>
           </a:p>
@@ -2178,7 +2185,7 @@
           <a:ln/>
           <a:extLst>
             <a:ext uri="{91240B29-F687-4f45-9708-019B960494DF}">
-              <a14:hiddenLine xmlns:a14="http://schemas.microsoft.com/office/drawing/2010/main" xmlns="" w="9525">
+              <a14:hiddenLine xmlns="" xmlns:a14="http://schemas.microsoft.com/office/drawing/2010/main" w="9525">
                 <a:solidFill>
                   <a:srgbClr val="000000"/>
                 </a:solidFill>
@@ -2296,7 +2303,7 @@
           <a:p>
             <a:fld id="{9334D819-9F07-4261-B09B-9E467E5D9002}" type="datetimeFigureOut">
               <a:rPr lang="en-US" smtClean="0"/>
-              <a:t>5/14/2024</a:t>
+              <a:t>5/15/2024</a:t>
             </a:fld>
             <a:endParaRPr lang="en-US" dirty="0"/>
           </a:p>
@@ -2453,7 +2460,7 @@
           <a:ln/>
           <a:extLst>
             <a:ext uri="{91240B29-F687-4f45-9708-019B960494DF}">
-              <a14:hiddenLine xmlns:a14="http://schemas.microsoft.com/office/drawing/2010/main" xmlns="" w="9525">
+              <a14:hiddenLine xmlns="" xmlns:a14="http://schemas.microsoft.com/office/drawing/2010/main" w="9525">
                 <a:solidFill>
                   <a:srgbClr val="000000"/>
                 </a:solidFill>
@@ -2581,7 +2588,7 @@
           <a:p>
             <a:fld id="{9334D819-9F07-4261-B09B-9E467E5D9002}" type="datetimeFigureOut">
               <a:rPr lang="en-US" smtClean="0"/>
-              <a:t>5/14/2024</a:t>
+              <a:t>5/15/2024</a:t>
             </a:fld>
             <a:endParaRPr lang="en-US" dirty="0"/>
           </a:p>
@@ -2736,7 +2743,7 @@
           <a:ln/>
           <a:extLst>
             <a:ext uri="{91240B29-F687-4f45-9708-019B960494DF}">
-              <a14:hiddenLine xmlns:a14="http://schemas.microsoft.com/office/drawing/2010/main" xmlns="" w="9525">
+              <a14:hiddenLine xmlns="" xmlns:a14="http://schemas.microsoft.com/office/drawing/2010/main" w="9525">
                 <a:solidFill>
                   <a:srgbClr val="000000"/>
                 </a:solidFill>
@@ -2864,7 +2871,7 @@
           <a:p>
             <a:fld id="{9334D819-9F07-4261-B09B-9E467E5D9002}" type="datetimeFigureOut">
               <a:rPr lang="en-US" smtClean="0"/>
-              <a:t>5/14/2024</a:t>
+              <a:t>5/15/2024</a:t>
             </a:fld>
             <a:endParaRPr lang="en-US" dirty="0"/>
           </a:p>
@@ -3208,7 +3215,7 @@
             <a:fld id="{9334D819-9F07-4261-B09B-9E467E5D9002}" type="datetimeFigureOut">
               <a:rPr lang="en-US" smtClean="0"/>
               <a:pPr/>
-              <a:t>5/14/2024</a:t>
+              <a:t>5/15/2024</a:t>
             </a:fld>
             <a:endParaRPr lang="en-US" dirty="0"/>
           </a:p>
@@ -3364,7 +3371,7 @@
           <a:ln/>
           <a:extLst>
             <a:ext uri="{91240B29-F687-4f45-9708-019B960494DF}">
-              <a14:hiddenLine xmlns:a14="http://schemas.microsoft.com/office/drawing/2010/main" xmlns="" w="9525">
+              <a14:hiddenLine xmlns="" xmlns:a14="http://schemas.microsoft.com/office/drawing/2010/main" w="9525">
                 <a:solidFill>
                   <a:srgbClr val="000000"/>
                 </a:solidFill>
@@ -3548,7 +3555,7 @@
           <a:p>
             <a:fld id="{9334D819-9F07-4261-B09B-9E467E5D9002}" type="datetimeFigureOut">
               <a:rPr lang="en-US" smtClean="0"/>
-              <a:t>5/14/2024</a:t>
+              <a:t>5/15/2024</a:t>
             </a:fld>
             <a:endParaRPr lang="en-US" dirty="0"/>
           </a:p>
@@ -3708,7 +3715,7 @@
           <a:ln/>
           <a:extLst>
             <a:ext uri="{91240B29-F687-4f45-9708-019B960494DF}">
-              <a14:hiddenLine xmlns:a14="http://schemas.microsoft.com/office/drawing/2010/main" xmlns="" w="9525">
+              <a14:hiddenLine xmlns="" xmlns:a14="http://schemas.microsoft.com/office/drawing/2010/main" w="9525">
                 <a:solidFill>
                   <a:srgbClr val="000000"/>
                 </a:solidFill>
@@ -4030,7 +4037,7 @@
           <a:p>
             <a:fld id="{9334D819-9F07-4261-B09B-9E467E5D9002}" type="datetimeFigureOut">
               <a:rPr lang="en-US" smtClean="0"/>
-              <a:t>5/14/2024</a:t>
+              <a:t>5/15/2024</a:t>
             </a:fld>
             <a:endParaRPr lang="en-US" dirty="0"/>
           </a:p>
@@ -4190,7 +4197,7 @@
           <a:ln/>
           <a:extLst>
             <a:ext uri="{91240B29-F687-4f45-9708-019B960494DF}">
-              <a14:hiddenLine xmlns:a14="http://schemas.microsoft.com/office/drawing/2010/main" xmlns="" w="9525">
+              <a14:hiddenLine xmlns="" xmlns:a14="http://schemas.microsoft.com/office/drawing/2010/main" w="9525">
                 <a:solidFill>
                   <a:srgbClr val="000000"/>
                 </a:solidFill>
@@ -4256,7 +4263,7 @@
           <a:p>
             <a:fld id="{9334D819-9F07-4261-B09B-9E467E5D9002}" type="datetimeFigureOut">
               <a:rPr lang="en-US" smtClean="0"/>
-              <a:t>5/14/2024</a:t>
+              <a:t>5/15/2024</a:t>
             </a:fld>
             <a:endParaRPr lang="en-US" dirty="0"/>
           </a:p>
@@ -4351,7 +4358,7 @@
           <a:p>
             <a:fld id="{9334D819-9F07-4261-B09B-9E467E5D9002}" type="datetimeFigureOut">
               <a:rPr lang="en-US" smtClean="0"/>
-              <a:t>5/14/2024</a:t>
+              <a:t>5/15/2024</a:t>
             </a:fld>
             <a:endParaRPr lang="en-US" dirty="0"/>
           </a:p>
@@ -4619,7 +4626,7 @@
           <a:ln/>
           <a:extLst>
             <a:ext uri="{91240B29-F687-4f45-9708-019B960494DF}">
-              <a14:hiddenLine xmlns:a14="http://schemas.microsoft.com/office/drawing/2010/main" xmlns="" w="9525">
+              <a14:hiddenLine xmlns="" xmlns:a14="http://schemas.microsoft.com/office/drawing/2010/main" w="9525">
                 <a:solidFill>
                   <a:srgbClr val="000000"/>
                 </a:solidFill>
@@ -4818,7 +4825,7 @@
           <a:p>
             <a:fld id="{9334D819-9F07-4261-B09B-9E467E5D9002}" type="datetimeFigureOut">
               <a:rPr lang="en-US" smtClean="0"/>
-              <a:t>5/14/2024</a:t>
+              <a:t>5/15/2024</a:t>
             </a:fld>
             <a:endParaRPr lang="en-US" dirty="0"/>
           </a:p>
@@ -5137,7 +5144,7 @@
             <a:fld id="{9334D819-9F07-4261-B09B-9E467E5D9002}" type="datetimeFigureOut">
               <a:rPr lang="en-US" smtClean="0"/>
               <a:pPr/>
-              <a:t>5/14/2024</a:t>
+              <a:t>5/15/2024</a:t>
             </a:fld>
             <a:endParaRPr lang="en-US" dirty="0"/>
           </a:p>
@@ -5409,7 +5416,7 @@
             <a:fld id="{9334D819-9F07-4261-B09B-9E467E5D9002}" type="datetimeFigureOut">
               <a:rPr lang="en-US" smtClean="0"/>
               <a:pPr/>
-              <a:t>5/14/2024</a:t>
+              <a:t>5/15/2024</a:t>
             </a:fld>
             <a:endParaRPr lang="en-US" dirty="0"/>
           </a:p>
@@ -6149,6 +6156,3145 @@
 </p:sld>
 </file>
 
+<file path=ppt/slides/slide10.xml><?xml version="1.0" encoding="utf-8"?>
+<p:sld xmlns:a="http://schemas.openxmlformats.org/drawingml/2006/main" xmlns:r="http://schemas.openxmlformats.org/officeDocument/2006/relationships" xmlns:p="http://schemas.openxmlformats.org/presentationml/2006/main">
+  <p:cSld>
+    <p:spTree>
+      <p:nvGrpSpPr>
+        <p:cNvPr id="1" name=""/>
+        <p:cNvGrpSpPr/>
+        <p:nvPr/>
+      </p:nvGrpSpPr>
+      <p:grpSpPr>
+        <a:xfrm>
+          <a:off x="0" y="0"/>
+          <a:ext cx="0" cy="0"/>
+          <a:chOff x="0" y="0"/>
+          <a:chExt cx="0" cy="0"/>
+        </a:xfrm>
+      </p:grpSpPr>
+      <p:pic>
+        <p:nvPicPr>
+          <p:cNvPr id="3" name="Imagem 2">
+            <a:extLst>
+              <a:ext uri="{FF2B5EF4-FFF2-40B4-BE49-F238E27FC236}">
+                <a16:creationId xmlns:a16="http://schemas.microsoft.com/office/drawing/2014/main" id="{6E19799A-6492-5584-5FA1-6CE12D3C1404}"/>
+              </a:ext>
+            </a:extLst>
+          </p:cNvPr>
+          <p:cNvPicPr>
+            <a:picLocks noChangeAspect="1"/>
+          </p:cNvPicPr>
+          <p:nvPr/>
+        </p:nvPicPr>
+        <p:blipFill>
+          <a:blip r:embed="rId2"/>
+          <a:stretch>
+            <a:fillRect/>
+          </a:stretch>
+        </p:blipFill>
+        <p:spPr>
+          <a:xfrm>
+            <a:off x="0" y="0"/>
+            <a:ext cx="12192000" cy="6858000"/>
+          </a:xfrm>
+          <a:prstGeom prst="rect">
+            <a:avLst/>
+          </a:prstGeom>
+        </p:spPr>
+      </p:pic>
+      <p:sp>
+        <p:nvSpPr>
+          <p:cNvPr id="5" name="Retângulo 4">
+            <a:extLst>
+              <a:ext uri="{FF2B5EF4-FFF2-40B4-BE49-F238E27FC236}">
+                <a16:creationId xmlns:a16="http://schemas.microsoft.com/office/drawing/2014/main" id="{F73EEF4C-B86D-F35D-919D-6561762C54D2}"/>
+              </a:ext>
+            </a:extLst>
+          </p:cNvPr>
+          <p:cNvSpPr/>
+          <p:nvPr/>
+        </p:nvSpPr>
+        <p:spPr>
+          <a:xfrm>
+            <a:off x="3838222" y="4255911"/>
+            <a:ext cx="4515555" cy="1422400"/>
+          </a:xfrm>
+          <a:prstGeom prst="rect">
+            <a:avLst/>
+          </a:prstGeom>
+        </p:spPr>
+        <p:style>
+          <a:lnRef idx="2">
+            <a:schemeClr val="accent1">
+              <a:shade val="50000"/>
+            </a:schemeClr>
+          </a:lnRef>
+          <a:fillRef idx="1">
+            <a:schemeClr val="accent1"/>
+          </a:fillRef>
+          <a:effectRef idx="0">
+            <a:schemeClr val="accent1"/>
+          </a:effectRef>
+          <a:fontRef idx="minor">
+            <a:schemeClr val="lt1"/>
+          </a:fontRef>
+        </p:style>
+        <p:txBody>
+          <a:bodyPr rtlCol="0" anchor="ctr"/>
+          <a:lstStyle/>
+          <a:p>
+            <a:pPr algn="ctr"/>
+            <a:r>
+              <a:rPr lang="pt-BR" b="1" dirty="0"/>
+              <a:t>Coloque as Duas páginas lado a lado para vermos o resultado das TAGS</a:t>
+            </a:r>
+          </a:p>
+        </p:txBody>
+      </p:sp>
+    </p:spTree>
+    <p:extLst>
+      <p:ext uri="{BB962C8B-B14F-4D97-AF65-F5344CB8AC3E}">
+        <p14:creationId xmlns:p14="http://schemas.microsoft.com/office/powerpoint/2010/main" val="17704186"/>
+      </p:ext>
+    </p:extLst>
+  </p:cSld>
+  <p:clrMapOvr>
+    <a:masterClrMapping/>
+  </p:clrMapOvr>
+</p:sld>
+</file>
+
+<file path=ppt/slides/slide11.xml><?xml version="1.0" encoding="utf-8"?>
+<p:sld xmlns:a="http://schemas.openxmlformats.org/drawingml/2006/main" xmlns:r="http://schemas.openxmlformats.org/officeDocument/2006/relationships" xmlns:p="http://schemas.openxmlformats.org/presentationml/2006/main">
+  <p:cSld>
+    <p:spTree>
+      <p:nvGrpSpPr>
+        <p:cNvPr id="1" name=""/>
+        <p:cNvGrpSpPr/>
+        <p:nvPr/>
+      </p:nvGrpSpPr>
+      <p:grpSpPr>
+        <a:xfrm>
+          <a:off x="0" y="0"/>
+          <a:ext cx="0" cy="0"/>
+          <a:chOff x="0" y="0"/>
+          <a:chExt cx="0" cy="0"/>
+        </a:xfrm>
+      </p:grpSpPr>
+      <p:pic>
+        <p:nvPicPr>
+          <p:cNvPr id="3" name="Imagem 2">
+            <a:extLst>
+              <a:ext uri="{FF2B5EF4-FFF2-40B4-BE49-F238E27FC236}">
+                <a16:creationId xmlns:a16="http://schemas.microsoft.com/office/drawing/2014/main" id="{901C63D2-9CAE-4F8A-41BE-19A4A37BCF00}"/>
+              </a:ext>
+            </a:extLst>
+          </p:cNvPr>
+          <p:cNvPicPr>
+            <a:picLocks noChangeAspect="1"/>
+          </p:cNvPicPr>
+          <p:nvPr/>
+        </p:nvPicPr>
+        <p:blipFill>
+          <a:blip r:embed="rId2"/>
+          <a:stretch>
+            <a:fillRect/>
+          </a:stretch>
+        </p:blipFill>
+        <p:spPr>
+          <a:xfrm>
+            <a:off x="0" y="0"/>
+            <a:ext cx="4120444" cy="6858000"/>
+          </a:xfrm>
+          <a:prstGeom prst="rect">
+            <a:avLst/>
+          </a:prstGeom>
+        </p:spPr>
+      </p:pic>
+      <p:pic>
+        <p:nvPicPr>
+          <p:cNvPr id="6" name="Imagem 5">
+            <a:extLst>
+              <a:ext uri="{FF2B5EF4-FFF2-40B4-BE49-F238E27FC236}">
+                <a16:creationId xmlns:a16="http://schemas.microsoft.com/office/drawing/2014/main" id="{ABEBFDA9-FF8F-136A-6DAA-159B020515C4}"/>
+              </a:ext>
+            </a:extLst>
+          </p:cNvPr>
+          <p:cNvPicPr>
+            <a:picLocks noChangeAspect="1"/>
+          </p:cNvPicPr>
+          <p:nvPr/>
+        </p:nvPicPr>
+        <p:blipFill>
+          <a:blip r:embed="rId3"/>
+          <a:stretch>
+            <a:fillRect/>
+          </a:stretch>
+        </p:blipFill>
+        <p:spPr>
+          <a:xfrm>
+            <a:off x="4361745" y="1715911"/>
+            <a:ext cx="7746702" cy="4521200"/>
+          </a:xfrm>
+          <a:prstGeom prst="rect">
+            <a:avLst/>
+          </a:prstGeom>
+        </p:spPr>
+      </p:pic>
+      <p:sp>
+        <p:nvSpPr>
+          <p:cNvPr id="7" name="Seta: para a Direita 6">
+            <a:extLst>
+              <a:ext uri="{FF2B5EF4-FFF2-40B4-BE49-F238E27FC236}">
+                <a16:creationId xmlns:a16="http://schemas.microsoft.com/office/drawing/2014/main" id="{723BDE03-B4A3-26FA-054F-6086A9B0A14C}"/>
+              </a:ext>
+            </a:extLst>
+          </p:cNvPr>
+          <p:cNvSpPr/>
+          <p:nvPr/>
+        </p:nvSpPr>
+        <p:spPr>
+          <a:xfrm rot="8147889">
+            <a:off x="1486426" y="5591369"/>
+            <a:ext cx="434622" cy="575733"/>
+          </a:xfrm>
+          <a:prstGeom prst="rightArrow">
+            <a:avLst/>
+          </a:prstGeom>
+        </p:spPr>
+        <p:style>
+          <a:lnRef idx="2">
+            <a:schemeClr val="accent1">
+              <a:shade val="50000"/>
+            </a:schemeClr>
+          </a:lnRef>
+          <a:fillRef idx="1">
+            <a:schemeClr val="accent1"/>
+          </a:fillRef>
+          <a:effectRef idx="0">
+            <a:schemeClr val="accent1"/>
+          </a:effectRef>
+          <a:fontRef idx="minor">
+            <a:schemeClr val="lt1"/>
+          </a:fontRef>
+        </p:style>
+        <p:txBody>
+          <a:bodyPr rtlCol="0" anchor="ctr"/>
+          <a:lstStyle/>
+          <a:p>
+            <a:pPr algn="ctr"/>
+            <a:endParaRPr lang="pt-BR"/>
+          </a:p>
+        </p:txBody>
+      </p:sp>
+      <p:sp>
+        <p:nvSpPr>
+          <p:cNvPr id="8" name="Seta: para a Direita 7">
+            <a:extLst>
+              <a:ext uri="{FF2B5EF4-FFF2-40B4-BE49-F238E27FC236}">
+                <a16:creationId xmlns:a16="http://schemas.microsoft.com/office/drawing/2014/main" id="{29DE0BD2-364F-F8E2-967E-51021B6B6269}"/>
+              </a:ext>
+            </a:extLst>
+          </p:cNvPr>
+          <p:cNvSpPr/>
+          <p:nvPr/>
+        </p:nvSpPr>
+        <p:spPr>
+          <a:xfrm rot="13464095">
+            <a:off x="9168515" y="1702345"/>
+            <a:ext cx="434622" cy="575733"/>
+          </a:xfrm>
+          <a:prstGeom prst="rightArrow">
+            <a:avLst/>
+          </a:prstGeom>
+        </p:spPr>
+        <p:style>
+          <a:lnRef idx="2">
+            <a:schemeClr val="accent1">
+              <a:shade val="50000"/>
+            </a:schemeClr>
+          </a:lnRef>
+          <a:fillRef idx="1">
+            <a:schemeClr val="accent1"/>
+          </a:fillRef>
+          <a:effectRef idx="0">
+            <a:schemeClr val="accent1"/>
+          </a:effectRef>
+          <a:fontRef idx="minor">
+            <a:schemeClr val="lt1"/>
+          </a:fontRef>
+        </p:style>
+        <p:txBody>
+          <a:bodyPr rtlCol="0" anchor="ctr"/>
+          <a:lstStyle/>
+          <a:p>
+            <a:pPr algn="ctr"/>
+            <a:endParaRPr lang="pt-BR"/>
+          </a:p>
+        </p:txBody>
+      </p:sp>
+      <p:sp>
+        <p:nvSpPr>
+          <p:cNvPr id="9" name="Seta: para a Direita 8">
+            <a:extLst>
+              <a:ext uri="{FF2B5EF4-FFF2-40B4-BE49-F238E27FC236}">
+                <a16:creationId xmlns:a16="http://schemas.microsoft.com/office/drawing/2014/main" id="{1460E870-70B0-ABE8-D16E-797010F22BA5}"/>
+              </a:ext>
+            </a:extLst>
+          </p:cNvPr>
+          <p:cNvSpPr/>
+          <p:nvPr/>
+        </p:nvSpPr>
+        <p:spPr>
+          <a:xfrm rot="13464095">
+            <a:off x="6000812" y="1702345"/>
+            <a:ext cx="434622" cy="575733"/>
+          </a:xfrm>
+          <a:prstGeom prst="rightArrow">
+            <a:avLst/>
+          </a:prstGeom>
+        </p:spPr>
+        <p:style>
+          <a:lnRef idx="2">
+            <a:schemeClr val="accent1">
+              <a:shade val="50000"/>
+            </a:schemeClr>
+          </a:lnRef>
+          <a:fillRef idx="1">
+            <a:schemeClr val="accent1"/>
+          </a:fillRef>
+          <a:effectRef idx="0">
+            <a:schemeClr val="accent1"/>
+          </a:effectRef>
+          <a:fontRef idx="minor">
+            <a:schemeClr val="lt1"/>
+          </a:fontRef>
+        </p:style>
+        <p:txBody>
+          <a:bodyPr rtlCol="0" anchor="ctr"/>
+          <a:lstStyle/>
+          <a:p>
+            <a:pPr algn="ctr"/>
+            <a:endParaRPr lang="pt-BR"/>
+          </a:p>
+        </p:txBody>
+      </p:sp>
+      <p:sp>
+        <p:nvSpPr>
+          <p:cNvPr id="11" name="Texto Explicativo: Linha Dobrada Sem Borda 10">
+            <a:extLst>
+              <a:ext uri="{FF2B5EF4-FFF2-40B4-BE49-F238E27FC236}">
+                <a16:creationId xmlns:a16="http://schemas.microsoft.com/office/drawing/2014/main" id="{D75FBD45-85AF-59D7-D2AF-5790273336D2}"/>
+              </a:ext>
+            </a:extLst>
+          </p:cNvPr>
+          <p:cNvSpPr/>
+          <p:nvPr/>
+        </p:nvSpPr>
+        <p:spPr>
+          <a:xfrm>
+            <a:off x="6175022" y="124177"/>
+            <a:ext cx="3567478" cy="993423"/>
+          </a:xfrm>
+          <a:prstGeom prst="callout2">
+            <a:avLst/>
+          </a:prstGeom>
+        </p:spPr>
+        <p:style>
+          <a:lnRef idx="2">
+            <a:schemeClr val="accent1">
+              <a:shade val="50000"/>
+            </a:schemeClr>
+          </a:lnRef>
+          <a:fillRef idx="1">
+            <a:schemeClr val="accent1"/>
+          </a:fillRef>
+          <a:effectRef idx="0">
+            <a:schemeClr val="accent1"/>
+          </a:effectRef>
+          <a:fontRef idx="minor">
+            <a:schemeClr val="lt1"/>
+          </a:fontRef>
+        </p:style>
+        <p:txBody>
+          <a:bodyPr rtlCol="0" anchor="ctr"/>
+          <a:lstStyle/>
+          <a:p>
+            <a:pPr algn="ctr"/>
+            <a:r>
+              <a:rPr lang="pt-BR" b="1" dirty="0"/>
+              <a:t>Designe Mobile</a:t>
+            </a:r>
+          </a:p>
+          <a:p>
+            <a:pPr algn="ctr"/>
+            <a:r>
+              <a:rPr lang="pt-BR" b="1" dirty="0"/>
+              <a:t>Inspecionar </a:t>
+            </a:r>
+          </a:p>
+        </p:txBody>
+      </p:sp>
+    </p:spTree>
+    <p:extLst>
+      <p:ext uri="{BB962C8B-B14F-4D97-AF65-F5344CB8AC3E}">
+        <p14:creationId xmlns:p14="http://schemas.microsoft.com/office/powerpoint/2010/main" val="914220451"/>
+      </p:ext>
+    </p:extLst>
+  </p:cSld>
+  <p:clrMapOvr>
+    <a:masterClrMapping/>
+  </p:clrMapOvr>
+</p:sld>
+</file>
+
+<file path=ppt/slides/slide12.xml><?xml version="1.0" encoding="utf-8"?>
+<p:sld xmlns:a="http://schemas.openxmlformats.org/drawingml/2006/main" xmlns:r="http://schemas.openxmlformats.org/officeDocument/2006/relationships" xmlns:p="http://schemas.openxmlformats.org/presentationml/2006/main">
+  <p:cSld>
+    <p:spTree>
+      <p:nvGrpSpPr>
+        <p:cNvPr id="1" name=""/>
+        <p:cNvGrpSpPr/>
+        <p:nvPr/>
+      </p:nvGrpSpPr>
+      <p:grpSpPr>
+        <a:xfrm>
+          <a:off x="0" y="0"/>
+          <a:ext cx="0" cy="0"/>
+          <a:chOff x="0" y="0"/>
+          <a:chExt cx="0" cy="0"/>
+        </a:xfrm>
+      </p:grpSpPr>
+      <p:sp>
+        <p:nvSpPr>
+          <p:cNvPr id="2" name="Título 1">
+            <a:extLst>
+              <a:ext uri="{FF2B5EF4-FFF2-40B4-BE49-F238E27FC236}">
+                <a16:creationId xmlns:a16="http://schemas.microsoft.com/office/drawing/2014/main" id="{B50B0F36-04F2-20A9-A382-29912C641C03}"/>
+              </a:ext>
+            </a:extLst>
+          </p:cNvPr>
+          <p:cNvSpPr>
+            <a:spLocks noGrp="1"/>
+          </p:cNvSpPr>
+          <p:nvPr>
+            <p:ph type="title"/>
+          </p:nvPr>
+        </p:nvSpPr>
+        <p:spPr/>
+        <p:txBody>
+          <a:bodyPr/>
+          <a:lstStyle/>
+          <a:p>
+            <a:r>
+              <a:rPr lang="pt-BR" dirty="0"/>
+              <a:t>Code</a:t>
+            </a:r>
+          </a:p>
+        </p:txBody>
+      </p:sp>
+      <p:sp>
+        <p:nvSpPr>
+          <p:cNvPr id="5" name="CaixaDeTexto 4">
+            <a:extLst>
+              <a:ext uri="{FF2B5EF4-FFF2-40B4-BE49-F238E27FC236}">
+                <a16:creationId xmlns:a16="http://schemas.microsoft.com/office/drawing/2014/main" id="{62F267B2-2C9E-A6FF-5769-ACA3A03B8EE5}"/>
+              </a:ext>
+            </a:extLst>
+          </p:cNvPr>
+          <p:cNvSpPr txBox="1"/>
+          <p:nvPr/>
+        </p:nvSpPr>
+        <p:spPr>
+          <a:xfrm>
+            <a:off x="431798" y="2087463"/>
+            <a:ext cx="8080023" cy="4770537"/>
+          </a:xfrm>
+          <a:prstGeom prst="rect">
+            <a:avLst/>
+          </a:prstGeom>
+          <a:noFill/>
+        </p:spPr>
+        <p:txBody>
+          <a:bodyPr wrap="square">
+            <a:spAutoFit/>
+          </a:bodyPr>
+          <a:lstStyle/>
+          <a:p>
+            <a:r>
+              <a:rPr lang="pt-BR" sz="1600" b="0" dirty="0">
+                <a:solidFill>
+                  <a:srgbClr val="808080"/>
+                </a:solidFill>
+                <a:effectLst/>
+                <a:latin typeface="Consolas" panose="020B0609020204030204" pitchFamily="49" charset="0"/>
+              </a:rPr>
+              <a:t>&lt;</a:t>
+            </a:r>
+            <a:r>
+              <a:rPr lang="pt-BR" sz="1600" b="0" dirty="0" err="1">
+                <a:solidFill>
+                  <a:srgbClr val="569CD6"/>
+                </a:solidFill>
+                <a:effectLst/>
+                <a:latin typeface="Consolas" panose="020B0609020204030204" pitchFamily="49" charset="0"/>
+              </a:rPr>
+              <a:t>html</a:t>
+            </a:r>
+            <a:r>
+              <a:rPr lang="pt-BR" sz="1600" b="0" dirty="0">
+                <a:solidFill>
+                  <a:srgbClr val="808080"/>
+                </a:solidFill>
+                <a:effectLst/>
+                <a:latin typeface="Consolas" panose="020B0609020204030204" pitchFamily="49" charset="0"/>
+              </a:rPr>
+              <a:t>&gt;</a:t>
+            </a:r>
+            <a:endParaRPr lang="pt-BR" sz="1600" b="0" dirty="0">
+              <a:solidFill>
+                <a:srgbClr val="CCCCCC"/>
+              </a:solidFill>
+              <a:effectLst/>
+              <a:latin typeface="Consolas" panose="020B0609020204030204" pitchFamily="49" charset="0"/>
+            </a:endParaRPr>
+          </a:p>
+          <a:p>
+            <a:r>
+              <a:rPr lang="pt-BR" sz="1600" b="0" dirty="0">
+                <a:solidFill>
+                  <a:srgbClr val="CCCCCC"/>
+                </a:solidFill>
+                <a:effectLst/>
+                <a:latin typeface="Consolas" panose="020B0609020204030204" pitchFamily="49" charset="0"/>
+              </a:rPr>
+              <a:t>    </a:t>
+            </a:r>
+            <a:r>
+              <a:rPr lang="pt-BR" sz="1600" b="0" dirty="0">
+                <a:solidFill>
+                  <a:srgbClr val="808080"/>
+                </a:solidFill>
+                <a:effectLst/>
+                <a:latin typeface="Consolas" panose="020B0609020204030204" pitchFamily="49" charset="0"/>
+              </a:rPr>
+              <a:t>&lt;!</a:t>
+            </a:r>
+            <a:r>
+              <a:rPr lang="pt-BR" sz="1600" b="0" dirty="0">
+                <a:solidFill>
+                  <a:srgbClr val="569CD6"/>
+                </a:solidFill>
+                <a:effectLst/>
+                <a:latin typeface="Consolas" panose="020B0609020204030204" pitchFamily="49" charset="0"/>
+              </a:rPr>
+              <a:t>DOCTYPE</a:t>
+            </a:r>
+            <a:r>
+              <a:rPr lang="pt-BR" sz="1600" b="0" dirty="0">
+                <a:solidFill>
+                  <a:srgbClr val="CCCCCC"/>
+                </a:solidFill>
+                <a:effectLst/>
+                <a:latin typeface="Consolas" panose="020B0609020204030204" pitchFamily="49" charset="0"/>
+              </a:rPr>
+              <a:t> </a:t>
+            </a:r>
+            <a:r>
+              <a:rPr lang="pt-BR" sz="1600" b="0" dirty="0" err="1">
+                <a:solidFill>
+                  <a:srgbClr val="9CDCFE"/>
+                </a:solidFill>
+                <a:effectLst/>
+                <a:latin typeface="Consolas" panose="020B0609020204030204" pitchFamily="49" charset="0"/>
+              </a:rPr>
+              <a:t>html</a:t>
+            </a:r>
+            <a:r>
+              <a:rPr lang="pt-BR" sz="1600" b="0" dirty="0">
+                <a:solidFill>
+                  <a:srgbClr val="808080"/>
+                </a:solidFill>
+                <a:effectLst/>
+                <a:latin typeface="Consolas" panose="020B0609020204030204" pitchFamily="49" charset="0"/>
+              </a:rPr>
+              <a:t>&gt;</a:t>
+            </a:r>
+            <a:endParaRPr lang="pt-BR" sz="1600" b="0" dirty="0">
+              <a:solidFill>
+                <a:srgbClr val="CCCCCC"/>
+              </a:solidFill>
+              <a:effectLst/>
+              <a:latin typeface="Consolas" panose="020B0609020204030204" pitchFamily="49" charset="0"/>
+            </a:endParaRPr>
+          </a:p>
+          <a:p>
+            <a:r>
+              <a:rPr lang="pt-BR" sz="1600" b="0" dirty="0">
+                <a:solidFill>
+                  <a:srgbClr val="CCCCCC"/>
+                </a:solidFill>
+                <a:effectLst/>
+                <a:latin typeface="Consolas" panose="020B0609020204030204" pitchFamily="49" charset="0"/>
+              </a:rPr>
+              <a:t>     </a:t>
+            </a:r>
+            <a:r>
+              <a:rPr lang="pt-BR" sz="1600" b="0" dirty="0">
+                <a:solidFill>
+                  <a:srgbClr val="6A9955"/>
+                </a:solidFill>
+                <a:effectLst/>
+                <a:latin typeface="Consolas" panose="020B0609020204030204" pitchFamily="49" charset="0"/>
+              </a:rPr>
+              <a:t>&lt;!-- Idioma --&gt;</a:t>
+            </a:r>
+            <a:endParaRPr lang="pt-BR" sz="1600" b="0" dirty="0">
+              <a:solidFill>
+                <a:srgbClr val="CCCCCC"/>
+              </a:solidFill>
+              <a:effectLst/>
+              <a:latin typeface="Consolas" panose="020B0609020204030204" pitchFamily="49" charset="0"/>
+            </a:endParaRPr>
+          </a:p>
+          <a:p>
+            <a:r>
+              <a:rPr lang="pt-BR" sz="1600" b="0" dirty="0">
+                <a:solidFill>
+                  <a:srgbClr val="CCCCCC"/>
+                </a:solidFill>
+                <a:effectLst/>
+                <a:latin typeface="Consolas" panose="020B0609020204030204" pitchFamily="49" charset="0"/>
+              </a:rPr>
+              <a:t>    </a:t>
+            </a:r>
+            <a:r>
+              <a:rPr lang="pt-BR" sz="1600" b="0" dirty="0">
+                <a:solidFill>
+                  <a:srgbClr val="808080"/>
+                </a:solidFill>
+                <a:effectLst/>
+                <a:latin typeface="Consolas" panose="020B0609020204030204" pitchFamily="49" charset="0"/>
+              </a:rPr>
+              <a:t>&lt;</a:t>
+            </a:r>
+            <a:r>
+              <a:rPr lang="pt-BR" sz="1600" b="0" dirty="0" err="1">
+                <a:solidFill>
+                  <a:srgbClr val="569CD6"/>
+                </a:solidFill>
+                <a:effectLst/>
+                <a:latin typeface="Consolas" panose="020B0609020204030204" pitchFamily="49" charset="0"/>
+              </a:rPr>
+              <a:t>html</a:t>
+            </a:r>
+            <a:r>
+              <a:rPr lang="pt-BR" sz="1600" b="0" dirty="0">
+                <a:solidFill>
+                  <a:srgbClr val="CCCCCC"/>
+                </a:solidFill>
+                <a:effectLst/>
+                <a:latin typeface="Consolas" panose="020B0609020204030204" pitchFamily="49" charset="0"/>
+              </a:rPr>
+              <a:t> </a:t>
+            </a:r>
+            <a:r>
+              <a:rPr lang="pt-BR" sz="1600" b="0" dirty="0" err="1">
+                <a:solidFill>
+                  <a:srgbClr val="9CDCFE"/>
+                </a:solidFill>
+                <a:effectLst/>
+                <a:latin typeface="Consolas" panose="020B0609020204030204" pitchFamily="49" charset="0"/>
+              </a:rPr>
+              <a:t>lang</a:t>
+            </a:r>
+            <a:r>
+              <a:rPr lang="pt-BR" sz="1600" b="0" dirty="0">
+                <a:solidFill>
+                  <a:srgbClr val="CCCCCC"/>
+                </a:solidFill>
+                <a:effectLst/>
+                <a:latin typeface="Consolas" panose="020B0609020204030204" pitchFamily="49" charset="0"/>
+              </a:rPr>
+              <a:t>=</a:t>
+            </a:r>
+            <a:r>
+              <a:rPr lang="pt-BR" sz="1600" b="0" dirty="0">
+                <a:solidFill>
+                  <a:srgbClr val="CE9178"/>
+                </a:solidFill>
+                <a:effectLst/>
+                <a:latin typeface="Consolas" panose="020B0609020204030204" pitchFamily="49" charset="0"/>
+              </a:rPr>
+              <a:t>"</a:t>
+            </a:r>
+            <a:r>
+              <a:rPr lang="pt-BR" sz="1600" b="0" dirty="0" err="1">
+                <a:solidFill>
+                  <a:srgbClr val="CE9178"/>
+                </a:solidFill>
+                <a:effectLst/>
+                <a:latin typeface="Consolas" panose="020B0609020204030204" pitchFamily="49" charset="0"/>
+              </a:rPr>
+              <a:t>pt</a:t>
+            </a:r>
+            <a:r>
+              <a:rPr lang="pt-BR" sz="1600" b="0" dirty="0">
+                <a:solidFill>
+                  <a:srgbClr val="CE9178"/>
+                </a:solidFill>
+                <a:effectLst/>
+                <a:latin typeface="Consolas" panose="020B0609020204030204" pitchFamily="49" charset="0"/>
+              </a:rPr>
+              <a:t>-BR"</a:t>
+            </a:r>
+            <a:r>
+              <a:rPr lang="pt-BR" sz="1600" b="0" dirty="0">
+                <a:solidFill>
+                  <a:srgbClr val="808080"/>
+                </a:solidFill>
+                <a:effectLst/>
+                <a:latin typeface="Consolas" panose="020B0609020204030204" pitchFamily="49" charset="0"/>
+              </a:rPr>
+              <a:t>&gt;</a:t>
+            </a:r>
+            <a:endParaRPr lang="pt-BR" sz="1600" b="0" dirty="0">
+              <a:solidFill>
+                <a:srgbClr val="CCCCCC"/>
+              </a:solidFill>
+              <a:effectLst/>
+              <a:latin typeface="Consolas" panose="020B0609020204030204" pitchFamily="49" charset="0"/>
+            </a:endParaRPr>
+          </a:p>
+          <a:p>
+            <a:r>
+              <a:rPr lang="pt-BR" sz="1600" b="0" dirty="0">
+                <a:solidFill>
+                  <a:srgbClr val="CCCCCC"/>
+                </a:solidFill>
+                <a:effectLst/>
+                <a:latin typeface="Consolas" panose="020B0609020204030204" pitchFamily="49" charset="0"/>
+              </a:rPr>
+              <a:t>    </a:t>
+            </a:r>
+            <a:r>
+              <a:rPr lang="pt-BR" sz="1600" b="0" dirty="0">
+                <a:solidFill>
+                  <a:srgbClr val="808080"/>
+                </a:solidFill>
+                <a:effectLst/>
+                <a:latin typeface="Consolas" panose="020B0609020204030204" pitchFamily="49" charset="0"/>
+              </a:rPr>
+              <a:t>&lt;</a:t>
+            </a:r>
+            <a:r>
+              <a:rPr lang="pt-BR" sz="1600" b="0" dirty="0" err="1">
+                <a:solidFill>
+                  <a:srgbClr val="569CD6"/>
+                </a:solidFill>
+                <a:effectLst/>
+                <a:latin typeface="Consolas" panose="020B0609020204030204" pitchFamily="49" charset="0"/>
+              </a:rPr>
+              <a:t>head</a:t>
+            </a:r>
+            <a:r>
+              <a:rPr lang="pt-BR" sz="1600" b="0" dirty="0">
+                <a:solidFill>
+                  <a:srgbClr val="808080"/>
+                </a:solidFill>
+                <a:effectLst/>
+                <a:latin typeface="Consolas" panose="020B0609020204030204" pitchFamily="49" charset="0"/>
+              </a:rPr>
+              <a:t>&gt;</a:t>
+            </a:r>
+            <a:endParaRPr lang="pt-BR" sz="1600" b="0" dirty="0">
+              <a:solidFill>
+                <a:srgbClr val="CCCCCC"/>
+              </a:solidFill>
+              <a:effectLst/>
+              <a:latin typeface="Consolas" panose="020B0609020204030204" pitchFamily="49" charset="0"/>
+            </a:endParaRPr>
+          </a:p>
+          <a:p>
+            <a:r>
+              <a:rPr lang="pt-BR" sz="1600" b="0" dirty="0">
+                <a:solidFill>
+                  <a:srgbClr val="CCCCCC"/>
+                </a:solidFill>
+                <a:effectLst/>
+                <a:latin typeface="Consolas" panose="020B0609020204030204" pitchFamily="49" charset="0"/>
+              </a:rPr>
+              <a:t>        </a:t>
+            </a:r>
+            <a:r>
+              <a:rPr lang="pt-BR" sz="1600" b="0" dirty="0">
+                <a:solidFill>
+                  <a:srgbClr val="808080"/>
+                </a:solidFill>
+                <a:effectLst/>
+                <a:latin typeface="Consolas" panose="020B0609020204030204" pitchFamily="49" charset="0"/>
+              </a:rPr>
+              <a:t>&lt;</a:t>
+            </a:r>
+            <a:r>
+              <a:rPr lang="pt-BR" sz="1600" b="0" dirty="0">
+                <a:solidFill>
+                  <a:srgbClr val="569CD6"/>
+                </a:solidFill>
+                <a:effectLst/>
+                <a:latin typeface="Consolas" panose="020B0609020204030204" pitchFamily="49" charset="0"/>
+              </a:rPr>
+              <a:t>meta</a:t>
+            </a:r>
+            <a:r>
+              <a:rPr lang="pt-BR" sz="1600" b="0" dirty="0">
+                <a:solidFill>
+                  <a:srgbClr val="CCCCCC"/>
+                </a:solidFill>
+                <a:effectLst/>
+                <a:latin typeface="Consolas" panose="020B0609020204030204" pitchFamily="49" charset="0"/>
+              </a:rPr>
+              <a:t> </a:t>
+            </a:r>
+            <a:r>
+              <a:rPr lang="pt-BR" sz="1600" b="0" dirty="0" err="1">
+                <a:solidFill>
+                  <a:srgbClr val="9CDCFE"/>
+                </a:solidFill>
+                <a:effectLst/>
+                <a:latin typeface="Consolas" panose="020B0609020204030204" pitchFamily="49" charset="0"/>
+              </a:rPr>
+              <a:t>charset</a:t>
+            </a:r>
+            <a:r>
+              <a:rPr lang="pt-BR" sz="1600" b="0" dirty="0">
+                <a:solidFill>
+                  <a:srgbClr val="CCCCCC"/>
+                </a:solidFill>
+                <a:effectLst/>
+                <a:latin typeface="Consolas" panose="020B0609020204030204" pitchFamily="49" charset="0"/>
+              </a:rPr>
+              <a:t>=</a:t>
+            </a:r>
+            <a:r>
+              <a:rPr lang="pt-BR" sz="1600" b="0" dirty="0">
+                <a:solidFill>
+                  <a:srgbClr val="CE9178"/>
+                </a:solidFill>
+                <a:effectLst/>
+                <a:latin typeface="Consolas" panose="020B0609020204030204" pitchFamily="49" charset="0"/>
+              </a:rPr>
+              <a:t>"UTF-8"</a:t>
+            </a:r>
+            <a:r>
+              <a:rPr lang="pt-BR" sz="1600" b="0" dirty="0">
+                <a:solidFill>
+                  <a:srgbClr val="808080"/>
+                </a:solidFill>
+                <a:effectLst/>
+                <a:latin typeface="Consolas" panose="020B0609020204030204" pitchFamily="49" charset="0"/>
+              </a:rPr>
+              <a:t>&gt;</a:t>
+            </a:r>
+            <a:endParaRPr lang="pt-BR" sz="1600" b="0" dirty="0">
+              <a:solidFill>
+                <a:srgbClr val="CCCCCC"/>
+              </a:solidFill>
+              <a:effectLst/>
+              <a:latin typeface="Consolas" panose="020B0609020204030204" pitchFamily="49" charset="0"/>
+            </a:endParaRPr>
+          </a:p>
+          <a:p>
+            <a:r>
+              <a:rPr lang="pt-BR" sz="1600" b="0" dirty="0">
+                <a:solidFill>
+                  <a:srgbClr val="CCCCCC"/>
+                </a:solidFill>
+                <a:effectLst/>
+                <a:latin typeface="Consolas" panose="020B0609020204030204" pitchFamily="49" charset="0"/>
+              </a:rPr>
+              <a:t>        </a:t>
+            </a:r>
+            <a:r>
+              <a:rPr lang="pt-BR" sz="1600" b="0" dirty="0">
+                <a:solidFill>
+                  <a:srgbClr val="6A9955"/>
+                </a:solidFill>
+                <a:effectLst/>
+                <a:latin typeface="Consolas" panose="020B0609020204030204" pitchFamily="49" charset="0"/>
+              </a:rPr>
+              <a:t>&lt;!-- Responsividade - Mobile --&gt;</a:t>
+            </a:r>
+            <a:endParaRPr lang="pt-BR" sz="1600" b="0" dirty="0">
+              <a:solidFill>
+                <a:srgbClr val="CCCCCC"/>
+              </a:solidFill>
+              <a:effectLst/>
+              <a:latin typeface="Consolas" panose="020B0609020204030204" pitchFamily="49" charset="0"/>
+            </a:endParaRPr>
+          </a:p>
+          <a:p>
+            <a:r>
+              <a:rPr lang="pt-BR" sz="1600" b="0" dirty="0">
+                <a:solidFill>
+                  <a:srgbClr val="CCCCCC"/>
+                </a:solidFill>
+                <a:effectLst/>
+                <a:latin typeface="Consolas" panose="020B0609020204030204" pitchFamily="49" charset="0"/>
+              </a:rPr>
+              <a:t>        </a:t>
+            </a:r>
+            <a:r>
+              <a:rPr lang="pt-BR" sz="1600" b="0" dirty="0">
+                <a:solidFill>
+                  <a:srgbClr val="808080"/>
+                </a:solidFill>
+                <a:effectLst/>
+                <a:latin typeface="Consolas" panose="020B0609020204030204" pitchFamily="49" charset="0"/>
+              </a:rPr>
+              <a:t>&lt;</a:t>
+            </a:r>
+            <a:r>
+              <a:rPr lang="pt-BR" sz="1600" b="0" dirty="0">
+                <a:solidFill>
+                  <a:srgbClr val="569CD6"/>
+                </a:solidFill>
+                <a:effectLst/>
+                <a:latin typeface="Consolas" panose="020B0609020204030204" pitchFamily="49" charset="0"/>
+              </a:rPr>
+              <a:t>meta</a:t>
+            </a:r>
+            <a:r>
+              <a:rPr lang="pt-BR" sz="1600" b="0" dirty="0">
+                <a:solidFill>
+                  <a:srgbClr val="CCCCCC"/>
+                </a:solidFill>
+                <a:effectLst/>
+                <a:latin typeface="Consolas" panose="020B0609020204030204" pitchFamily="49" charset="0"/>
+              </a:rPr>
+              <a:t> </a:t>
+            </a:r>
+            <a:r>
+              <a:rPr lang="pt-BR" sz="1600" b="0" dirty="0" err="1">
+                <a:solidFill>
+                  <a:srgbClr val="9CDCFE"/>
+                </a:solidFill>
+                <a:effectLst/>
+                <a:latin typeface="Consolas" panose="020B0609020204030204" pitchFamily="49" charset="0"/>
+              </a:rPr>
+              <a:t>name</a:t>
+            </a:r>
+            <a:r>
+              <a:rPr lang="pt-BR" sz="1600" b="0" dirty="0">
+                <a:solidFill>
+                  <a:srgbClr val="CCCCCC"/>
+                </a:solidFill>
+                <a:effectLst/>
+                <a:latin typeface="Consolas" panose="020B0609020204030204" pitchFamily="49" charset="0"/>
+              </a:rPr>
+              <a:t>=</a:t>
+            </a:r>
+            <a:r>
+              <a:rPr lang="pt-BR" sz="1600" b="0" dirty="0">
+                <a:solidFill>
+                  <a:srgbClr val="CE9178"/>
+                </a:solidFill>
+                <a:effectLst/>
+                <a:latin typeface="Consolas" panose="020B0609020204030204" pitchFamily="49" charset="0"/>
+              </a:rPr>
+              <a:t>"</a:t>
+            </a:r>
+            <a:r>
+              <a:rPr lang="pt-BR" sz="1600" b="0" dirty="0" err="1">
+                <a:solidFill>
+                  <a:srgbClr val="CE9178"/>
+                </a:solidFill>
+                <a:effectLst/>
+                <a:latin typeface="Consolas" panose="020B0609020204030204" pitchFamily="49" charset="0"/>
+              </a:rPr>
+              <a:t>viewport</a:t>
+            </a:r>
+            <a:r>
+              <a:rPr lang="pt-BR" sz="1600" b="0" dirty="0">
+                <a:solidFill>
+                  <a:srgbClr val="CE9178"/>
+                </a:solidFill>
+                <a:effectLst/>
+                <a:latin typeface="Consolas" panose="020B0609020204030204" pitchFamily="49" charset="0"/>
+              </a:rPr>
+              <a:t>"</a:t>
+            </a:r>
+            <a:r>
+              <a:rPr lang="pt-BR" sz="1600" b="0" dirty="0">
+                <a:solidFill>
+                  <a:srgbClr val="CCCCCC"/>
+                </a:solidFill>
+                <a:effectLst/>
+                <a:latin typeface="Consolas" panose="020B0609020204030204" pitchFamily="49" charset="0"/>
+              </a:rPr>
+              <a:t> </a:t>
+            </a:r>
+            <a:r>
+              <a:rPr lang="pt-BR" sz="1600" b="0" dirty="0" err="1">
+                <a:solidFill>
+                  <a:srgbClr val="9CDCFE"/>
+                </a:solidFill>
+                <a:effectLst/>
+                <a:latin typeface="Consolas" panose="020B0609020204030204" pitchFamily="49" charset="0"/>
+              </a:rPr>
+              <a:t>content</a:t>
+            </a:r>
+            <a:r>
+              <a:rPr lang="pt-BR" sz="1600" b="0" dirty="0">
+                <a:solidFill>
+                  <a:srgbClr val="CCCCCC"/>
+                </a:solidFill>
+                <a:effectLst/>
+                <a:latin typeface="Consolas" panose="020B0609020204030204" pitchFamily="49" charset="0"/>
+              </a:rPr>
+              <a:t>=</a:t>
+            </a:r>
+            <a:r>
+              <a:rPr lang="pt-BR" sz="1600" b="0" dirty="0">
+                <a:solidFill>
+                  <a:srgbClr val="CE9178"/>
+                </a:solidFill>
+                <a:effectLst/>
+                <a:latin typeface="Consolas" panose="020B0609020204030204" pitchFamily="49" charset="0"/>
+              </a:rPr>
+              <a:t>"</a:t>
+            </a:r>
+            <a:r>
+              <a:rPr lang="pt-BR" sz="1600" b="0" dirty="0" err="1">
+                <a:solidFill>
+                  <a:srgbClr val="CE9178"/>
+                </a:solidFill>
+                <a:effectLst/>
+                <a:latin typeface="Consolas" panose="020B0609020204030204" pitchFamily="49" charset="0"/>
+              </a:rPr>
+              <a:t>width</a:t>
+            </a:r>
+            <a:r>
+              <a:rPr lang="pt-BR" sz="1600" b="0" dirty="0">
+                <a:solidFill>
+                  <a:srgbClr val="CE9178"/>
+                </a:solidFill>
+                <a:effectLst/>
+                <a:latin typeface="Consolas" panose="020B0609020204030204" pitchFamily="49" charset="0"/>
+              </a:rPr>
+              <a:t>=device-</a:t>
+            </a:r>
+            <a:r>
+              <a:rPr lang="pt-BR" sz="1600" b="0" dirty="0" err="1">
+                <a:solidFill>
+                  <a:srgbClr val="CE9178"/>
+                </a:solidFill>
+                <a:effectLst/>
+                <a:latin typeface="Consolas" panose="020B0609020204030204" pitchFamily="49" charset="0"/>
+              </a:rPr>
+              <a:t>width</a:t>
+            </a:r>
+            <a:r>
+              <a:rPr lang="pt-BR" sz="1600" b="0" dirty="0">
+                <a:solidFill>
+                  <a:srgbClr val="CE9178"/>
+                </a:solidFill>
+                <a:effectLst/>
+                <a:latin typeface="Consolas" panose="020B0609020204030204" pitchFamily="49" charset="0"/>
+              </a:rPr>
+              <a:t>, </a:t>
+            </a:r>
+            <a:r>
+              <a:rPr lang="pt-BR" sz="1600" b="0" dirty="0" err="1">
+                <a:solidFill>
+                  <a:srgbClr val="CE9178"/>
+                </a:solidFill>
+                <a:effectLst/>
+                <a:latin typeface="Consolas" panose="020B0609020204030204" pitchFamily="49" charset="0"/>
+              </a:rPr>
+              <a:t>initial-scale</a:t>
+            </a:r>
+            <a:r>
+              <a:rPr lang="pt-BR" sz="1600" b="0" dirty="0">
+                <a:solidFill>
+                  <a:srgbClr val="CE9178"/>
+                </a:solidFill>
+                <a:effectLst/>
+                <a:latin typeface="Consolas" panose="020B0609020204030204" pitchFamily="49" charset="0"/>
+              </a:rPr>
+              <a:t>=1.0"</a:t>
+            </a:r>
+            <a:r>
+              <a:rPr lang="pt-BR" sz="1600" b="0" dirty="0">
+                <a:solidFill>
+                  <a:srgbClr val="808080"/>
+                </a:solidFill>
+                <a:effectLst/>
+                <a:latin typeface="Consolas" panose="020B0609020204030204" pitchFamily="49" charset="0"/>
+              </a:rPr>
+              <a:t>&gt;</a:t>
+            </a:r>
+            <a:endParaRPr lang="pt-BR" sz="1600" b="0" dirty="0">
+              <a:solidFill>
+                <a:srgbClr val="CCCCCC"/>
+              </a:solidFill>
+              <a:effectLst/>
+              <a:latin typeface="Consolas" panose="020B0609020204030204" pitchFamily="49" charset="0"/>
+            </a:endParaRPr>
+          </a:p>
+          <a:p>
+            <a:r>
+              <a:rPr lang="pt-BR" sz="1600" b="0" dirty="0">
+                <a:solidFill>
+                  <a:srgbClr val="CCCCCC"/>
+                </a:solidFill>
+                <a:effectLst/>
+                <a:latin typeface="Consolas" panose="020B0609020204030204" pitchFamily="49" charset="0"/>
+              </a:rPr>
+              <a:t>        </a:t>
+            </a:r>
+            <a:r>
+              <a:rPr lang="pt-BR" sz="1600" b="0" dirty="0">
+                <a:solidFill>
+                  <a:srgbClr val="808080"/>
+                </a:solidFill>
+                <a:effectLst/>
+                <a:latin typeface="Consolas" panose="020B0609020204030204" pitchFamily="49" charset="0"/>
+              </a:rPr>
+              <a:t>&lt;</a:t>
+            </a:r>
+            <a:r>
+              <a:rPr lang="pt-BR" sz="1600" b="0" dirty="0" err="1">
+                <a:solidFill>
+                  <a:srgbClr val="569CD6"/>
+                </a:solidFill>
+                <a:effectLst/>
+                <a:latin typeface="Consolas" panose="020B0609020204030204" pitchFamily="49" charset="0"/>
+              </a:rPr>
+              <a:t>title</a:t>
+            </a:r>
+            <a:r>
+              <a:rPr lang="pt-BR" sz="1600" b="0" dirty="0">
+                <a:solidFill>
+                  <a:srgbClr val="808080"/>
+                </a:solidFill>
+                <a:effectLst/>
+                <a:latin typeface="Consolas" panose="020B0609020204030204" pitchFamily="49" charset="0"/>
+              </a:rPr>
+              <a:t>&gt;</a:t>
+            </a:r>
+            <a:r>
+              <a:rPr lang="pt-BR" sz="1600" b="0" dirty="0">
+                <a:solidFill>
+                  <a:srgbClr val="CCCCCC"/>
+                </a:solidFill>
+                <a:effectLst/>
+                <a:latin typeface="Consolas" panose="020B0609020204030204" pitchFamily="49" charset="0"/>
+              </a:rPr>
+              <a:t>Título Página</a:t>
+            </a:r>
+            <a:r>
+              <a:rPr lang="pt-BR" sz="1600" b="0" dirty="0">
+                <a:solidFill>
+                  <a:srgbClr val="808080"/>
+                </a:solidFill>
+                <a:effectLst/>
+                <a:latin typeface="Consolas" panose="020B0609020204030204" pitchFamily="49" charset="0"/>
+              </a:rPr>
+              <a:t>&lt;/</a:t>
+            </a:r>
+            <a:r>
+              <a:rPr lang="pt-BR" sz="1600" b="0" dirty="0" err="1">
+                <a:solidFill>
+                  <a:srgbClr val="569CD6"/>
+                </a:solidFill>
+                <a:effectLst/>
+                <a:latin typeface="Consolas" panose="020B0609020204030204" pitchFamily="49" charset="0"/>
+              </a:rPr>
+              <a:t>title</a:t>
+            </a:r>
+            <a:r>
+              <a:rPr lang="pt-BR" sz="1600" b="0" dirty="0">
+                <a:solidFill>
+                  <a:srgbClr val="808080"/>
+                </a:solidFill>
+                <a:effectLst/>
+                <a:latin typeface="Consolas" panose="020B0609020204030204" pitchFamily="49" charset="0"/>
+              </a:rPr>
+              <a:t>&gt;</a:t>
+            </a:r>
+            <a:endParaRPr lang="pt-BR" sz="1600" b="0" dirty="0">
+              <a:solidFill>
+                <a:srgbClr val="CCCCCC"/>
+              </a:solidFill>
+              <a:effectLst/>
+              <a:latin typeface="Consolas" panose="020B0609020204030204" pitchFamily="49" charset="0"/>
+            </a:endParaRPr>
+          </a:p>
+          <a:p>
+            <a:r>
+              <a:rPr lang="pt-BR" sz="1600" b="0" dirty="0">
+                <a:solidFill>
+                  <a:srgbClr val="CCCCCC"/>
+                </a:solidFill>
+                <a:effectLst/>
+                <a:latin typeface="Consolas" panose="020B0609020204030204" pitchFamily="49" charset="0"/>
+              </a:rPr>
+              <a:t>    </a:t>
+            </a:r>
+            <a:r>
+              <a:rPr lang="pt-BR" sz="1600" b="0" dirty="0">
+                <a:solidFill>
+                  <a:srgbClr val="808080"/>
+                </a:solidFill>
+                <a:effectLst/>
+                <a:latin typeface="Consolas" panose="020B0609020204030204" pitchFamily="49" charset="0"/>
+              </a:rPr>
+              <a:t>&lt;/</a:t>
+            </a:r>
+            <a:r>
+              <a:rPr lang="pt-BR" sz="1600" b="0" dirty="0" err="1">
+                <a:solidFill>
+                  <a:srgbClr val="569CD6"/>
+                </a:solidFill>
+                <a:effectLst/>
+                <a:latin typeface="Consolas" panose="020B0609020204030204" pitchFamily="49" charset="0"/>
+              </a:rPr>
+              <a:t>head</a:t>
+            </a:r>
+            <a:r>
+              <a:rPr lang="pt-BR" sz="1600" b="0" dirty="0">
+                <a:solidFill>
+                  <a:srgbClr val="808080"/>
+                </a:solidFill>
+                <a:effectLst/>
+                <a:latin typeface="Consolas" panose="020B0609020204030204" pitchFamily="49" charset="0"/>
+              </a:rPr>
+              <a:t>&gt;</a:t>
+            </a:r>
+            <a:endParaRPr lang="pt-BR" sz="1600" b="0" dirty="0">
+              <a:solidFill>
+                <a:srgbClr val="CCCCCC"/>
+              </a:solidFill>
+              <a:effectLst/>
+              <a:latin typeface="Consolas" panose="020B0609020204030204" pitchFamily="49" charset="0"/>
+            </a:endParaRPr>
+          </a:p>
+          <a:p>
+            <a:r>
+              <a:rPr lang="pt-BR" sz="1600" b="0" dirty="0">
+                <a:solidFill>
+                  <a:srgbClr val="CCCCCC"/>
+                </a:solidFill>
+                <a:effectLst/>
+                <a:latin typeface="Consolas" panose="020B0609020204030204" pitchFamily="49" charset="0"/>
+              </a:rPr>
+              <a:t>    </a:t>
+            </a:r>
+            <a:r>
+              <a:rPr lang="pt-BR" sz="1600" b="0" dirty="0">
+                <a:solidFill>
+                  <a:srgbClr val="808080"/>
+                </a:solidFill>
+                <a:effectLst/>
+                <a:latin typeface="Consolas" panose="020B0609020204030204" pitchFamily="49" charset="0"/>
+              </a:rPr>
+              <a:t>&lt;</a:t>
+            </a:r>
+            <a:r>
+              <a:rPr lang="pt-BR" sz="1600" b="0" dirty="0">
+                <a:solidFill>
+                  <a:srgbClr val="569CD6"/>
+                </a:solidFill>
+                <a:effectLst/>
+                <a:latin typeface="Consolas" panose="020B0609020204030204" pitchFamily="49" charset="0"/>
+              </a:rPr>
+              <a:t>body</a:t>
+            </a:r>
+            <a:r>
+              <a:rPr lang="pt-BR" sz="1600" b="0" dirty="0">
+                <a:solidFill>
+                  <a:srgbClr val="808080"/>
+                </a:solidFill>
+                <a:effectLst/>
+                <a:latin typeface="Consolas" panose="020B0609020204030204" pitchFamily="49" charset="0"/>
+              </a:rPr>
+              <a:t>&gt;</a:t>
+            </a:r>
+            <a:endParaRPr lang="pt-BR" sz="1600" b="0" dirty="0">
+              <a:solidFill>
+                <a:srgbClr val="CCCCCC"/>
+              </a:solidFill>
+              <a:effectLst/>
+              <a:latin typeface="Consolas" panose="020B0609020204030204" pitchFamily="49" charset="0"/>
+            </a:endParaRPr>
+          </a:p>
+          <a:p>
+            <a:r>
+              <a:rPr lang="pt-BR" sz="1600" b="0" dirty="0">
+                <a:solidFill>
+                  <a:srgbClr val="CCCCCC"/>
+                </a:solidFill>
+                <a:effectLst/>
+                <a:latin typeface="Consolas" panose="020B0609020204030204" pitchFamily="49" charset="0"/>
+              </a:rPr>
+              <a:t>        </a:t>
+            </a:r>
+            <a:r>
+              <a:rPr lang="pt-BR" sz="1600" b="0" dirty="0">
+                <a:solidFill>
+                  <a:srgbClr val="808080"/>
+                </a:solidFill>
+                <a:effectLst/>
+                <a:latin typeface="Consolas" panose="020B0609020204030204" pitchFamily="49" charset="0"/>
+              </a:rPr>
+              <a:t>&lt;</a:t>
+            </a:r>
+            <a:r>
+              <a:rPr lang="pt-BR" sz="1600" b="0" dirty="0">
+                <a:solidFill>
+                  <a:srgbClr val="569CD6"/>
+                </a:solidFill>
+                <a:effectLst/>
+                <a:latin typeface="Consolas" panose="020B0609020204030204" pitchFamily="49" charset="0"/>
+              </a:rPr>
+              <a:t>h1</a:t>
+            </a:r>
+            <a:r>
+              <a:rPr lang="pt-BR" sz="1600" b="0" dirty="0">
+                <a:solidFill>
+                  <a:srgbClr val="808080"/>
+                </a:solidFill>
+                <a:effectLst/>
+                <a:latin typeface="Consolas" panose="020B0609020204030204" pitchFamily="49" charset="0"/>
+              </a:rPr>
+              <a:t>&gt;</a:t>
+            </a:r>
+            <a:r>
+              <a:rPr lang="pt-BR" sz="1600" b="0" dirty="0">
+                <a:solidFill>
+                  <a:srgbClr val="CCCCCC"/>
+                </a:solidFill>
+                <a:effectLst/>
+                <a:latin typeface="Consolas" panose="020B0609020204030204" pitchFamily="49" charset="0"/>
+              </a:rPr>
+              <a:t>Título</a:t>
+            </a:r>
+            <a:r>
+              <a:rPr lang="pt-BR" sz="1600" b="0" dirty="0">
+                <a:solidFill>
+                  <a:srgbClr val="808080"/>
+                </a:solidFill>
+                <a:effectLst/>
+                <a:latin typeface="Consolas" panose="020B0609020204030204" pitchFamily="49" charset="0"/>
+              </a:rPr>
+              <a:t>&lt;/</a:t>
+            </a:r>
+            <a:r>
+              <a:rPr lang="pt-BR" sz="1600" b="0" dirty="0">
+                <a:solidFill>
+                  <a:srgbClr val="569CD6"/>
+                </a:solidFill>
+                <a:effectLst/>
+                <a:latin typeface="Consolas" panose="020B0609020204030204" pitchFamily="49" charset="0"/>
+              </a:rPr>
+              <a:t>h1</a:t>
+            </a:r>
+            <a:r>
+              <a:rPr lang="pt-BR" sz="1600" b="0" dirty="0">
+                <a:solidFill>
+                  <a:srgbClr val="808080"/>
+                </a:solidFill>
+                <a:effectLst/>
+                <a:latin typeface="Consolas" panose="020B0609020204030204" pitchFamily="49" charset="0"/>
+              </a:rPr>
+              <a:t>&gt;</a:t>
+            </a:r>
+            <a:endParaRPr lang="pt-BR" sz="1600" b="0" dirty="0">
+              <a:solidFill>
+                <a:srgbClr val="CCCCCC"/>
+              </a:solidFill>
+              <a:effectLst/>
+              <a:latin typeface="Consolas" panose="020B0609020204030204" pitchFamily="49" charset="0"/>
+            </a:endParaRPr>
+          </a:p>
+          <a:p>
+            <a:r>
+              <a:rPr lang="pt-BR" sz="1600" b="0" dirty="0">
+                <a:solidFill>
+                  <a:srgbClr val="CCCCCC"/>
+                </a:solidFill>
+                <a:effectLst/>
+                <a:latin typeface="Consolas" panose="020B0609020204030204" pitchFamily="49" charset="0"/>
+              </a:rPr>
+              <a:t>        </a:t>
+            </a:r>
+            <a:r>
+              <a:rPr lang="pt-BR" sz="1600" b="0" dirty="0">
+                <a:solidFill>
+                  <a:srgbClr val="808080"/>
+                </a:solidFill>
+                <a:effectLst/>
+                <a:latin typeface="Consolas" panose="020B0609020204030204" pitchFamily="49" charset="0"/>
+              </a:rPr>
+              <a:t>&lt;</a:t>
+            </a:r>
+            <a:r>
+              <a:rPr lang="pt-BR" sz="1600" b="0" dirty="0">
+                <a:solidFill>
+                  <a:srgbClr val="569CD6"/>
+                </a:solidFill>
+                <a:effectLst/>
+                <a:latin typeface="Consolas" panose="020B0609020204030204" pitchFamily="49" charset="0"/>
+              </a:rPr>
+              <a:t>p</a:t>
+            </a:r>
+            <a:r>
+              <a:rPr lang="pt-BR" sz="1600" b="0" dirty="0">
+                <a:solidFill>
+                  <a:srgbClr val="808080"/>
+                </a:solidFill>
+                <a:effectLst/>
+                <a:latin typeface="Consolas" panose="020B0609020204030204" pitchFamily="49" charset="0"/>
+              </a:rPr>
+              <a:t>&gt;</a:t>
+            </a:r>
+            <a:r>
+              <a:rPr lang="pt-BR" sz="1600" b="0" dirty="0">
+                <a:solidFill>
+                  <a:srgbClr val="CCCCCC"/>
+                </a:solidFill>
+                <a:effectLst/>
+                <a:latin typeface="Consolas" panose="020B0609020204030204" pitchFamily="49" charset="0"/>
+              </a:rPr>
+              <a:t>Parágrafo</a:t>
+            </a:r>
+            <a:r>
+              <a:rPr lang="pt-BR" sz="1600" b="0" dirty="0">
+                <a:solidFill>
+                  <a:srgbClr val="808080"/>
+                </a:solidFill>
+                <a:effectLst/>
+                <a:latin typeface="Consolas" panose="020B0609020204030204" pitchFamily="49" charset="0"/>
+              </a:rPr>
+              <a:t>&lt;/</a:t>
+            </a:r>
+            <a:r>
+              <a:rPr lang="pt-BR" sz="1600" b="0" dirty="0">
+                <a:solidFill>
+                  <a:srgbClr val="569CD6"/>
+                </a:solidFill>
+                <a:effectLst/>
+                <a:latin typeface="Consolas" panose="020B0609020204030204" pitchFamily="49" charset="0"/>
+              </a:rPr>
+              <a:t>p</a:t>
+            </a:r>
+            <a:r>
+              <a:rPr lang="pt-BR" sz="1600" b="0" dirty="0">
+                <a:solidFill>
+                  <a:srgbClr val="808080"/>
+                </a:solidFill>
+                <a:effectLst/>
+                <a:latin typeface="Consolas" panose="020B0609020204030204" pitchFamily="49" charset="0"/>
+              </a:rPr>
+              <a:t>&gt;</a:t>
+            </a:r>
+            <a:endParaRPr lang="pt-BR" sz="1600" b="0" dirty="0">
+              <a:solidFill>
+                <a:srgbClr val="CCCCCC"/>
+              </a:solidFill>
+              <a:effectLst/>
+              <a:latin typeface="Consolas" panose="020B0609020204030204" pitchFamily="49" charset="0"/>
+            </a:endParaRPr>
+          </a:p>
+          <a:p>
+            <a:r>
+              <a:rPr lang="pt-BR" sz="1600" b="0" dirty="0">
+                <a:solidFill>
+                  <a:srgbClr val="CCCCCC"/>
+                </a:solidFill>
+                <a:effectLst/>
+                <a:latin typeface="Consolas" panose="020B0609020204030204" pitchFamily="49" charset="0"/>
+              </a:rPr>
+              <a:t>        </a:t>
+            </a:r>
+            <a:r>
+              <a:rPr lang="pt-BR" sz="1600" b="0" dirty="0">
+                <a:solidFill>
+                  <a:srgbClr val="808080"/>
+                </a:solidFill>
+                <a:effectLst/>
+                <a:latin typeface="Consolas" panose="020B0609020204030204" pitchFamily="49" charset="0"/>
+              </a:rPr>
+              <a:t>&lt;</a:t>
+            </a:r>
+            <a:r>
+              <a:rPr lang="pt-BR" sz="1600" b="0" dirty="0" err="1">
+                <a:solidFill>
+                  <a:srgbClr val="569CD6"/>
+                </a:solidFill>
+                <a:effectLst/>
+                <a:latin typeface="Consolas" panose="020B0609020204030204" pitchFamily="49" charset="0"/>
+              </a:rPr>
+              <a:t>span</a:t>
+            </a:r>
+            <a:r>
+              <a:rPr lang="pt-BR" sz="1600" b="0" dirty="0">
+                <a:solidFill>
+                  <a:srgbClr val="808080"/>
+                </a:solidFill>
+                <a:effectLst/>
+                <a:latin typeface="Consolas" panose="020B0609020204030204" pitchFamily="49" charset="0"/>
+              </a:rPr>
+              <a:t>&gt;</a:t>
+            </a:r>
+            <a:r>
+              <a:rPr lang="pt-BR" sz="1600" b="0" dirty="0">
+                <a:solidFill>
+                  <a:srgbClr val="CCCCCC"/>
+                </a:solidFill>
+                <a:effectLst/>
+                <a:latin typeface="Consolas" panose="020B0609020204030204" pitchFamily="49" charset="0"/>
+              </a:rPr>
+              <a:t>Genérica</a:t>
+            </a:r>
+            <a:r>
+              <a:rPr lang="pt-BR" sz="1600" b="0" dirty="0">
+                <a:solidFill>
+                  <a:srgbClr val="808080"/>
+                </a:solidFill>
+                <a:effectLst/>
+                <a:latin typeface="Consolas" panose="020B0609020204030204" pitchFamily="49" charset="0"/>
+              </a:rPr>
+              <a:t>&lt;/</a:t>
+            </a:r>
+            <a:r>
+              <a:rPr lang="pt-BR" sz="1600" b="0" dirty="0" err="1">
+                <a:solidFill>
+                  <a:srgbClr val="569CD6"/>
+                </a:solidFill>
+                <a:effectLst/>
+                <a:latin typeface="Consolas" panose="020B0609020204030204" pitchFamily="49" charset="0"/>
+              </a:rPr>
+              <a:t>span</a:t>
+            </a:r>
+            <a:r>
+              <a:rPr lang="pt-BR" sz="1600" b="0" dirty="0">
+                <a:solidFill>
+                  <a:srgbClr val="808080"/>
+                </a:solidFill>
+                <a:effectLst/>
+                <a:latin typeface="Consolas" panose="020B0609020204030204" pitchFamily="49" charset="0"/>
+              </a:rPr>
+              <a:t>&gt;</a:t>
+            </a:r>
+            <a:endParaRPr lang="pt-BR" sz="1600" b="0" dirty="0">
+              <a:solidFill>
+                <a:srgbClr val="CCCCCC"/>
+              </a:solidFill>
+              <a:effectLst/>
+              <a:latin typeface="Consolas" panose="020B0609020204030204" pitchFamily="49" charset="0"/>
+            </a:endParaRPr>
+          </a:p>
+          <a:p>
+            <a:r>
+              <a:rPr lang="pt-BR" sz="1600" b="0" dirty="0">
+                <a:solidFill>
+                  <a:srgbClr val="CCCCCC"/>
+                </a:solidFill>
+                <a:effectLst/>
+                <a:latin typeface="Consolas" panose="020B0609020204030204" pitchFamily="49" charset="0"/>
+              </a:rPr>
+              <a:t>        </a:t>
+            </a:r>
+            <a:r>
+              <a:rPr lang="pt-BR" sz="1600" b="0" dirty="0">
+                <a:solidFill>
+                  <a:srgbClr val="808080"/>
+                </a:solidFill>
+                <a:effectLst/>
+                <a:latin typeface="Consolas" panose="020B0609020204030204" pitchFamily="49" charset="0"/>
+              </a:rPr>
+              <a:t>&lt;</a:t>
+            </a:r>
+            <a:r>
+              <a:rPr lang="pt-BR" sz="1600" b="0" dirty="0" err="1">
+                <a:solidFill>
+                  <a:srgbClr val="569CD6"/>
+                </a:solidFill>
+                <a:effectLst/>
+                <a:latin typeface="Consolas" panose="020B0609020204030204" pitchFamily="49" charset="0"/>
+              </a:rPr>
+              <a:t>span</a:t>
+            </a:r>
+            <a:r>
+              <a:rPr lang="pt-BR" sz="1600" b="0" dirty="0">
+                <a:solidFill>
+                  <a:srgbClr val="808080"/>
+                </a:solidFill>
+                <a:effectLst/>
+                <a:latin typeface="Consolas" panose="020B0609020204030204" pitchFamily="49" charset="0"/>
+              </a:rPr>
+              <a:t>&gt;</a:t>
+            </a:r>
+            <a:r>
+              <a:rPr lang="pt-BR" sz="1600" b="0" dirty="0" err="1">
+                <a:solidFill>
+                  <a:srgbClr val="CCCCCC"/>
+                </a:solidFill>
+                <a:effectLst/>
+                <a:latin typeface="Consolas" panose="020B0609020204030204" pitchFamily="49" charset="0"/>
+              </a:rPr>
+              <a:t>Tag-br</a:t>
+            </a:r>
+            <a:r>
+              <a:rPr lang="pt-BR" sz="1600" b="0" dirty="0">
+                <a:solidFill>
+                  <a:srgbClr val="CCCCCC"/>
+                </a:solidFill>
+                <a:effectLst/>
+                <a:latin typeface="Consolas" panose="020B0609020204030204" pitchFamily="49" charset="0"/>
+              </a:rPr>
+              <a:t> quebra a linha</a:t>
+            </a:r>
+            <a:r>
+              <a:rPr lang="pt-BR" sz="1600" b="0" dirty="0">
+                <a:solidFill>
+                  <a:srgbClr val="808080"/>
+                </a:solidFill>
+                <a:effectLst/>
+                <a:latin typeface="Consolas" panose="020B0609020204030204" pitchFamily="49" charset="0"/>
+              </a:rPr>
+              <a:t>&lt;/</a:t>
+            </a:r>
+            <a:r>
+              <a:rPr lang="pt-BR" sz="1600" b="0" dirty="0" err="1">
+                <a:solidFill>
+                  <a:srgbClr val="569CD6"/>
+                </a:solidFill>
+                <a:effectLst/>
+                <a:latin typeface="Consolas" panose="020B0609020204030204" pitchFamily="49" charset="0"/>
+              </a:rPr>
+              <a:t>span</a:t>
+            </a:r>
+            <a:r>
+              <a:rPr lang="pt-BR" sz="1600" b="0" dirty="0">
+                <a:solidFill>
+                  <a:srgbClr val="808080"/>
+                </a:solidFill>
+                <a:effectLst/>
+                <a:latin typeface="Consolas" panose="020B0609020204030204" pitchFamily="49" charset="0"/>
+              </a:rPr>
+              <a:t>&gt;&lt;</a:t>
+            </a:r>
+            <a:r>
+              <a:rPr lang="pt-BR" sz="1600" b="0" dirty="0" err="1">
+                <a:solidFill>
+                  <a:srgbClr val="569CD6"/>
+                </a:solidFill>
+                <a:effectLst/>
+                <a:latin typeface="Consolas" panose="020B0609020204030204" pitchFamily="49" charset="0"/>
+              </a:rPr>
+              <a:t>br</a:t>
+            </a:r>
+            <a:r>
+              <a:rPr lang="pt-BR" sz="1600" b="0" dirty="0">
+                <a:solidFill>
+                  <a:srgbClr val="808080"/>
+                </a:solidFill>
+                <a:effectLst/>
+                <a:latin typeface="Consolas" panose="020B0609020204030204" pitchFamily="49" charset="0"/>
+              </a:rPr>
+              <a:t>/&gt;</a:t>
+            </a:r>
+            <a:r>
+              <a:rPr lang="pt-BR" sz="1600" b="0" dirty="0">
+                <a:solidFill>
+                  <a:srgbClr val="CCCCCC"/>
+                </a:solidFill>
+                <a:effectLst/>
+                <a:latin typeface="Consolas" panose="020B0609020204030204" pitchFamily="49" charset="0"/>
+              </a:rPr>
+              <a:t>        </a:t>
+            </a:r>
+          </a:p>
+          <a:p>
+            <a:r>
+              <a:rPr lang="pt-BR" sz="1600" b="0" dirty="0">
+                <a:solidFill>
+                  <a:srgbClr val="CCCCCC"/>
+                </a:solidFill>
+                <a:effectLst/>
+                <a:latin typeface="Consolas" panose="020B0609020204030204" pitchFamily="49" charset="0"/>
+              </a:rPr>
+              <a:t>    </a:t>
+            </a:r>
+            <a:r>
+              <a:rPr lang="pt-BR" sz="1600" b="0" dirty="0">
+                <a:solidFill>
+                  <a:srgbClr val="808080"/>
+                </a:solidFill>
+                <a:effectLst/>
+                <a:latin typeface="Consolas" panose="020B0609020204030204" pitchFamily="49" charset="0"/>
+              </a:rPr>
+              <a:t>&lt;/</a:t>
+            </a:r>
+            <a:r>
+              <a:rPr lang="pt-BR" sz="1600" b="0" dirty="0">
+                <a:solidFill>
+                  <a:srgbClr val="569CD6"/>
+                </a:solidFill>
+                <a:effectLst/>
+                <a:latin typeface="Consolas" panose="020B0609020204030204" pitchFamily="49" charset="0"/>
+              </a:rPr>
+              <a:t>body</a:t>
+            </a:r>
+            <a:r>
+              <a:rPr lang="pt-BR" sz="1600" b="0" dirty="0">
+                <a:solidFill>
+                  <a:srgbClr val="808080"/>
+                </a:solidFill>
+                <a:effectLst/>
+                <a:latin typeface="Consolas" panose="020B0609020204030204" pitchFamily="49" charset="0"/>
+              </a:rPr>
+              <a:t>&gt;</a:t>
+            </a:r>
+            <a:endParaRPr lang="pt-BR" sz="1600" b="0" dirty="0">
+              <a:solidFill>
+                <a:srgbClr val="CCCCCC"/>
+              </a:solidFill>
+              <a:effectLst/>
+              <a:latin typeface="Consolas" panose="020B0609020204030204" pitchFamily="49" charset="0"/>
+            </a:endParaRPr>
+          </a:p>
+          <a:p>
+            <a:r>
+              <a:rPr lang="pt-BR" sz="1600" b="0" dirty="0">
+                <a:solidFill>
+                  <a:srgbClr val="CCCCCC"/>
+                </a:solidFill>
+                <a:effectLst/>
+                <a:latin typeface="Consolas" panose="020B0609020204030204" pitchFamily="49" charset="0"/>
+              </a:rPr>
+              <a:t>    </a:t>
+            </a:r>
+            <a:r>
+              <a:rPr lang="pt-BR" sz="1600" b="0" dirty="0">
+                <a:solidFill>
+                  <a:srgbClr val="808080"/>
+                </a:solidFill>
+                <a:effectLst/>
+                <a:latin typeface="Consolas" panose="020B0609020204030204" pitchFamily="49" charset="0"/>
+              </a:rPr>
+              <a:t>&lt;/</a:t>
+            </a:r>
+            <a:r>
+              <a:rPr lang="pt-BR" sz="1600" b="0" dirty="0" err="1">
+                <a:solidFill>
+                  <a:srgbClr val="569CD6"/>
+                </a:solidFill>
+                <a:effectLst/>
+                <a:latin typeface="Consolas" panose="020B0609020204030204" pitchFamily="49" charset="0"/>
+              </a:rPr>
+              <a:t>html</a:t>
+            </a:r>
+            <a:r>
+              <a:rPr lang="pt-BR" sz="1600" b="0" dirty="0">
+                <a:solidFill>
+                  <a:srgbClr val="808080"/>
+                </a:solidFill>
+                <a:effectLst/>
+                <a:latin typeface="Consolas" panose="020B0609020204030204" pitchFamily="49" charset="0"/>
+              </a:rPr>
+              <a:t>&gt;</a:t>
+            </a:r>
+            <a:endParaRPr lang="pt-BR" sz="1600" b="0" dirty="0">
+              <a:solidFill>
+                <a:srgbClr val="CCCCCC"/>
+              </a:solidFill>
+              <a:effectLst/>
+              <a:latin typeface="Consolas" panose="020B0609020204030204" pitchFamily="49" charset="0"/>
+            </a:endParaRPr>
+          </a:p>
+          <a:p>
+            <a:r>
+              <a:rPr lang="pt-BR" sz="1600" b="0" dirty="0">
+                <a:solidFill>
+                  <a:srgbClr val="808080"/>
+                </a:solidFill>
+                <a:effectLst/>
+                <a:latin typeface="Consolas" panose="020B0609020204030204" pitchFamily="49" charset="0"/>
+              </a:rPr>
+              <a:t>&lt;/</a:t>
+            </a:r>
+            <a:r>
+              <a:rPr lang="pt-BR" sz="1600" b="0" dirty="0" err="1">
+                <a:solidFill>
+                  <a:srgbClr val="569CD6"/>
+                </a:solidFill>
+                <a:effectLst/>
+                <a:latin typeface="Consolas" panose="020B0609020204030204" pitchFamily="49" charset="0"/>
+              </a:rPr>
+              <a:t>html</a:t>
+            </a:r>
+            <a:r>
+              <a:rPr lang="pt-BR" sz="1600" b="0" dirty="0">
+                <a:solidFill>
+                  <a:srgbClr val="808080"/>
+                </a:solidFill>
+                <a:effectLst/>
+                <a:latin typeface="Consolas" panose="020B0609020204030204" pitchFamily="49" charset="0"/>
+              </a:rPr>
+              <a:t>&gt;</a:t>
+            </a:r>
+            <a:endParaRPr lang="pt-BR" sz="1600" b="0" dirty="0">
+              <a:solidFill>
+                <a:srgbClr val="CCCCCC"/>
+              </a:solidFill>
+              <a:effectLst/>
+              <a:latin typeface="Consolas" panose="020B0609020204030204" pitchFamily="49" charset="0"/>
+            </a:endParaRPr>
+          </a:p>
+        </p:txBody>
+      </p:sp>
+    </p:spTree>
+    <p:extLst>
+      <p:ext uri="{BB962C8B-B14F-4D97-AF65-F5344CB8AC3E}">
+        <p14:creationId xmlns:p14="http://schemas.microsoft.com/office/powerpoint/2010/main" val="3744746895"/>
+      </p:ext>
+    </p:extLst>
+  </p:cSld>
+  <p:clrMapOvr>
+    <a:masterClrMapping/>
+  </p:clrMapOvr>
+</p:sld>
+</file>
+
+<file path=ppt/slides/slide13.xml><?xml version="1.0" encoding="utf-8"?>
+<p:sld xmlns:a="http://schemas.openxmlformats.org/drawingml/2006/main" xmlns:r="http://schemas.openxmlformats.org/officeDocument/2006/relationships" xmlns:p="http://schemas.openxmlformats.org/presentationml/2006/main">
+  <p:cSld>
+    <p:spTree>
+      <p:nvGrpSpPr>
+        <p:cNvPr id="1" name=""/>
+        <p:cNvGrpSpPr/>
+        <p:nvPr/>
+      </p:nvGrpSpPr>
+      <p:grpSpPr>
+        <a:xfrm>
+          <a:off x="0" y="0"/>
+          <a:ext cx="0" cy="0"/>
+          <a:chOff x="0" y="0"/>
+          <a:chExt cx="0" cy="0"/>
+        </a:xfrm>
+      </p:grpSpPr>
+      <p:sp>
+        <p:nvSpPr>
+          <p:cNvPr id="3" name="CaixaDeTexto 2">
+            <a:extLst>
+              <a:ext uri="{FF2B5EF4-FFF2-40B4-BE49-F238E27FC236}">
+                <a16:creationId xmlns:a16="http://schemas.microsoft.com/office/drawing/2014/main" id="{718E8071-897A-71A6-2995-D7E314D64F84}"/>
+              </a:ext>
+            </a:extLst>
+          </p:cNvPr>
+          <p:cNvSpPr txBox="1"/>
+          <p:nvPr/>
+        </p:nvSpPr>
+        <p:spPr>
+          <a:xfrm>
+            <a:off x="6547556" y="1692072"/>
+            <a:ext cx="6096000" cy="4801314"/>
+          </a:xfrm>
+          <a:prstGeom prst="rect">
+            <a:avLst/>
+          </a:prstGeom>
+          <a:noFill/>
+        </p:spPr>
+        <p:txBody>
+          <a:bodyPr wrap="square">
+            <a:spAutoFit/>
+          </a:bodyPr>
+          <a:lstStyle/>
+          <a:p>
+            <a:br>
+              <a:rPr lang="pt-BR" b="0" dirty="0">
+                <a:solidFill>
+                  <a:srgbClr val="CCCCCC"/>
+                </a:solidFill>
+                <a:effectLst/>
+                <a:latin typeface="Consolas" panose="020B0609020204030204" pitchFamily="49" charset="0"/>
+              </a:rPr>
+            </a:br>
+            <a:r>
+              <a:rPr lang="pt-BR" b="0" dirty="0">
+                <a:solidFill>
+                  <a:srgbClr val="808080"/>
+                </a:solidFill>
+                <a:effectLst/>
+                <a:latin typeface="Consolas" panose="020B0609020204030204" pitchFamily="49" charset="0"/>
+              </a:rPr>
+              <a:t>&lt;</a:t>
+            </a:r>
+            <a:r>
+              <a:rPr lang="pt-BR" b="0" dirty="0" err="1">
+                <a:solidFill>
+                  <a:srgbClr val="569CD6"/>
+                </a:solidFill>
+                <a:effectLst/>
+                <a:latin typeface="Consolas" panose="020B0609020204030204" pitchFamily="49" charset="0"/>
+              </a:rPr>
+              <a:t>html</a:t>
+            </a:r>
+            <a:r>
+              <a:rPr lang="pt-BR" b="0" dirty="0">
+                <a:solidFill>
+                  <a:srgbClr val="808080"/>
+                </a:solidFill>
+                <a:effectLst/>
+                <a:latin typeface="Consolas" panose="020B0609020204030204" pitchFamily="49" charset="0"/>
+              </a:rPr>
+              <a:t>&gt;</a:t>
+            </a:r>
+            <a:endParaRPr lang="pt-BR" b="0" dirty="0">
+              <a:solidFill>
+                <a:srgbClr val="CCCCCC"/>
+              </a:solidFill>
+              <a:effectLst/>
+              <a:latin typeface="Consolas" panose="020B0609020204030204" pitchFamily="49" charset="0"/>
+            </a:endParaRPr>
+          </a:p>
+          <a:p>
+            <a:r>
+              <a:rPr lang="pt-BR" b="0" dirty="0">
+                <a:solidFill>
+                  <a:srgbClr val="CCCCCC"/>
+                </a:solidFill>
+                <a:effectLst/>
+                <a:latin typeface="Consolas" panose="020B0609020204030204" pitchFamily="49" charset="0"/>
+              </a:rPr>
+              <a:t>    </a:t>
+            </a:r>
+            <a:r>
+              <a:rPr lang="pt-BR" b="0" dirty="0">
+                <a:solidFill>
+                  <a:srgbClr val="808080"/>
+                </a:solidFill>
+                <a:effectLst/>
+                <a:latin typeface="Consolas" panose="020B0609020204030204" pitchFamily="49" charset="0"/>
+              </a:rPr>
+              <a:t>&lt;!</a:t>
+            </a:r>
+            <a:r>
+              <a:rPr lang="pt-BR" b="0" dirty="0">
+                <a:solidFill>
+                  <a:srgbClr val="569CD6"/>
+                </a:solidFill>
+                <a:effectLst/>
+                <a:latin typeface="Consolas" panose="020B0609020204030204" pitchFamily="49" charset="0"/>
+              </a:rPr>
+              <a:t>DOCTYPE</a:t>
+            </a:r>
+            <a:r>
+              <a:rPr lang="pt-BR" b="0" dirty="0">
+                <a:solidFill>
+                  <a:srgbClr val="CCCCCC"/>
+                </a:solidFill>
+                <a:effectLst/>
+                <a:latin typeface="Consolas" panose="020B0609020204030204" pitchFamily="49" charset="0"/>
+              </a:rPr>
+              <a:t> </a:t>
+            </a:r>
+            <a:r>
+              <a:rPr lang="pt-BR" b="0" dirty="0" err="1">
+                <a:solidFill>
+                  <a:srgbClr val="9CDCFE"/>
+                </a:solidFill>
+                <a:effectLst/>
+                <a:latin typeface="Consolas" panose="020B0609020204030204" pitchFamily="49" charset="0"/>
+              </a:rPr>
+              <a:t>html</a:t>
+            </a:r>
+            <a:r>
+              <a:rPr lang="pt-BR" b="0" dirty="0">
+                <a:solidFill>
+                  <a:srgbClr val="808080"/>
+                </a:solidFill>
+                <a:effectLst/>
+                <a:latin typeface="Consolas" panose="020B0609020204030204" pitchFamily="49" charset="0"/>
+              </a:rPr>
+              <a:t>&gt;</a:t>
+            </a:r>
+            <a:endParaRPr lang="pt-BR" b="0" dirty="0">
+              <a:solidFill>
+                <a:srgbClr val="CCCCCC"/>
+              </a:solidFill>
+              <a:effectLst/>
+              <a:latin typeface="Consolas" panose="020B0609020204030204" pitchFamily="49" charset="0"/>
+            </a:endParaRPr>
+          </a:p>
+          <a:p>
+            <a:r>
+              <a:rPr lang="pt-BR" b="0" dirty="0">
+                <a:solidFill>
+                  <a:srgbClr val="CCCCCC"/>
+                </a:solidFill>
+                <a:effectLst/>
+                <a:latin typeface="Consolas" panose="020B0609020204030204" pitchFamily="49" charset="0"/>
+              </a:rPr>
+              <a:t>    </a:t>
+            </a:r>
+            <a:r>
+              <a:rPr lang="pt-BR" b="0" dirty="0">
+                <a:solidFill>
+                  <a:srgbClr val="808080"/>
+                </a:solidFill>
+                <a:effectLst/>
+                <a:latin typeface="Consolas" panose="020B0609020204030204" pitchFamily="49" charset="0"/>
+              </a:rPr>
+              <a:t>&lt;</a:t>
+            </a:r>
+            <a:r>
+              <a:rPr lang="pt-BR" b="0" dirty="0" err="1">
+                <a:solidFill>
+                  <a:srgbClr val="569CD6"/>
+                </a:solidFill>
+                <a:effectLst/>
+                <a:latin typeface="Consolas" panose="020B0609020204030204" pitchFamily="49" charset="0"/>
+              </a:rPr>
+              <a:t>html</a:t>
+            </a:r>
+            <a:r>
+              <a:rPr lang="pt-BR" b="0" dirty="0">
+                <a:solidFill>
+                  <a:srgbClr val="CCCCCC"/>
+                </a:solidFill>
+                <a:effectLst/>
+                <a:latin typeface="Consolas" panose="020B0609020204030204" pitchFamily="49" charset="0"/>
+              </a:rPr>
+              <a:t> </a:t>
+            </a:r>
+            <a:r>
+              <a:rPr lang="pt-BR" b="0" dirty="0" err="1">
+                <a:solidFill>
+                  <a:srgbClr val="9CDCFE"/>
+                </a:solidFill>
+                <a:effectLst/>
+                <a:latin typeface="Consolas" panose="020B0609020204030204" pitchFamily="49" charset="0"/>
+              </a:rPr>
+              <a:t>lang</a:t>
+            </a:r>
+            <a:r>
+              <a:rPr lang="pt-BR" b="0" dirty="0">
+                <a:solidFill>
+                  <a:srgbClr val="CCCCCC"/>
+                </a:solidFill>
+                <a:effectLst/>
+                <a:latin typeface="Consolas" panose="020B0609020204030204" pitchFamily="49" charset="0"/>
+              </a:rPr>
+              <a:t>=</a:t>
+            </a:r>
+            <a:r>
+              <a:rPr lang="pt-BR" b="0" dirty="0">
+                <a:solidFill>
+                  <a:srgbClr val="CE9178"/>
+                </a:solidFill>
+                <a:effectLst/>
+                <a:latin typeface="Consolas" panose="020B0609020204030204" pitchFamily="49" charset="0"/>
+              </a:rPr>
+              <a:t>"</a:t>
+            </a:r>
+            <a:r>
+              <a:rPr lang="pt-BR" b="0" dirty="0" err="1">
+                <a:solidFill>
+                  <a:srgbClr val="CE9178"/>
+                </a:solidFill>
+                <a:effectLst/>
+                <a:latin typeface="Consolas" panose="020B0609020204030204" pitchFamily="49" charset="0"/>
+              </a:rPr>
+              <a:t>en</a:t>
+            </a:r>
+            <a:r>
+              <a:rPr lang="pt-BR" b="0" dirty="0">
+                <a:solidFill>
+                  <a:srgbClr val="CE9178"/>
+                </a:solidFill>
+                <a:effectLst/>
+                <a:latin typeface="Consolas" panose="020B0609020204030204" pitchFamily="49" charset="0"/>
+              </a:rPr>
+              <a:t>"</a:t>
+            </a:r>
+            <a:r>
+              <a:rPr lang="pt-BR" b="0" dirty="0">
+                <a:solidFill>
+                  <a:srgbClr val="808080"/>
+                </a:solidFill>
+                <a:effectLst/>
+                <a:latin typeface="Consolas" panose="020B0609020204030204" pitchFamily="49" charset="0"/>
+              </a:rPr>
+              <a:t>&gt;</a:t>
+            </a:r>
+            <a:endParaRPr lang="pt-BR" b="0" dirty="0">
+              <a:solidFill>
+                <a:srgbClr val="CCCCCC"/>
+              </a:solidFill>
+              <a:effectLst/>
+              <a:latin typeface="Consolas" panose="020B0609020204030204" pitchFamily="49" charset="0"/>
+            </a:endParaRPr>
+          </a:p>
+          <a:p>
+            <a:r>
+              <a:rPr lang="pt-BR" b="0" dirty="0">
+                <a:solidFill>
+                  <a:srgbClr val="CCCCCC"/>
+                </a:solidFill>
+                <a:effectLst/>
+                <a:latin typeface="Consolas" panose="020B0609020204030204" pitchFamily="49" charset="0"/>
+              </a:rPr>
+              <a:t>    </a:t>
+            </a:r>
+            <a:r>
+              <a:rPr lang="pt-BR" b="0" dirty="0">
+                <a:solidFill>
+                  <a:srgbClr val="808080"/>
+                </a:solidFill>
+                <a:effectLst/>
+                <a:latin typeface="Consolas" panose="020B0609020204030204" pitchFamily="49" charset="0"/>
+              </a:rPr>
+              <a:t>&lt;</a:t>
+            </a:r>
+            <a:r>
+              <a:rPr lang="pt-BR" b="0" dirty="0" err="1">
+                <a:solidFill>
+                  <a:srgbClr val="569CD6"/>
+                </a:solidFill>
+                <a:effectLst/>
+                <a:latin typeface="Consolas" panose="020B0609020204030204" pitchFamily="49" charset="0"/>
+              </a:rPr>
+              <a:t>head</a:t>
+            </a:r>
+            <a:r>
+              <a:rPr lang="pt-BR" b="0" dirty="0">
+                <a:solidFill>
+                  <a:srgbClr val="808080"/>
+                </a:solidFill>
+                <a:effectLst/>
+                <a:latin typeface="Consolas" panose="020B0609020204030204" pitchFamily="49" charset="0"/>
+              </a:rPr>
+              <a:t>&gt;</a:t>
+            </a:r>
+            <a:endParaRPr lang="pt-BR" b="0" dirty="0">
+              <a:solidFill>
+                <a:srgbClr val="CCCCCC"/>
+              </a:solidFill>
+              <a:effectLst/>
+              <a:latin typeface="Consolas" panose="020B0609020204030204" pitchFamily="49" charset="0"/>
+            </a:endParaRPr>
+          </a:p>
+          <a:p>
+            <a:r>
+              <a:rPr lang="pt-BR" b="0" dirty="0">
+                <a:solidFill>
+                  <a:srgbClr val="CCCCCC"/>
+                </a:solidFill>
+                <a:effectLst/>
+                <a:latin typeface="Consolas" panose="020B0609020204030204" pitchFamily="49" charset="0"/>
+              </a:rPr>
+              <a:t>        </a:t>
+            </a:r>
+            <a:r>
+              <a:rPr lang="pt-BR" b="0" dirty="0">
+                <a:solidFill>
+                  <a:srgbClr val="808080"/>
+                </a:solidFill>
+                <a:effectLst/>
+                <a:latin typeface="Consolas" panose="020B0609020204030204" pitchFamily="49" charset="0"/>
+              </a:rPr>
+              <a:t>&lt;</a:t>
+            </a:r>
+            <a:r>
+              <a:rPr lang="pt-BR" b="0" dirty="0">
+                <a:solidFill>
+                  <a:srgbClr val="569CD6"/>
+                </a:solidFill>
+                <a:effectLst/>
+                <a:latin typeface="Consolas" panose="020B0609020204030204" pitchFamily="49" charset="0"/>
+              </a:rPr>
+              <a:t>meta</a:t>
+            </a:r>
+            <a:r>
+              <a:rPr lang="pt-BR" b="0" dirty="0">
+                <a:solidFill>
+                  <a:srgbClr val="CCCCCC"/>
+                </a:solidFill>
+                <a:effectLst/>
+                <a:latin typeface="Consolas" panose="020B0609020204030204" pitchFamily="49" charset="0"/>
+              </a:rPr>
+              <a:t> </a:t>
+            </a:r>
+            <a:r>
+              <a:rPr lang="pt-BR" b="0" dirty="0" err="1">
+                <a:solidFill>
+                  <a:srgbClr val="9CDCFE"/>
+                </a:solidFill>
+                <a:effectLst/>
+                <a:latin typeface="Consolas" panose="020B0609020204030204" pitchFamily="49" charset="0"/>
+              </a:rPr>
+              <a:t>charset</a:t>
+            </a:r>
+            <a:r>
+              <a:rPr lang="pt-BR" b="0" dirty="0">
+                <a:solidFill>
+                  <a:srgbClr val="CCCCCC"/>
+                </a:solidFill>
+                <a:effectLst/>
+                <a:latin typeface="Consolas" panose="020B0609020204030204" pitchFamily="49" charset="0"/>
+              </a:rPr>
+              <a:t>=</a:t>
+            </a:r>
+            <a:r>
+              <a:rPr lang="pt-BR" b="0" dirty="0">
+                <a:solidFill>
+                  <a:srgbClr val="CE9178"/>
+                </a:solidFill>
+                <a:effectLst/>
+                <a:latin typeface="Consolas" panose="020B0609020204030204" pitchFamily="49" charset="0"/>
+              </a:rPr>
+              <a:t>"UTF-8"</a:t>
+            </a:r>
+            <a:r>
+              <a:rPr lang="pt-BR" b="0" dirty="0">
+                <a:solidFill>
+                  <a:srgbClr val="808080"/>
+                </a:solidFill>
+                <a:effectLst/>
+                <a:latin typeface="Consolas" panose="020B0609020204030204" pitchFamily="49" charset="0"/>
+              </a:rPr>
+              <a:t>&gt;</a:t>
+            </a:r>
+            <a:endParaRPr lang="pt-BR" b="0" dirty="0">
+              <a:solidFill>
+                <a:srgbClr val="CCCCCC"/>
+              </a:solidFill>
+              <a:effectLst/>
+              <a:latin typeface="Consolas" panose="020B0609020204030204" pitchFamily="49" charset="0"/>
+            </a:endParaRPr>
+          </a:p>
+          <a:p>
+            <a:r>
+              <a:rPr lang="pt-BR" b="0" dirty="0">
+                <a:solidFill>
+                  <a:srgbClr val="CCCCCC"/>
+                </a:solidFill>
+                <a:effectLst/>
+                <a:latin typeface="Consolas" panose="020B0609020204030204" pitchFamily="49" charset="0"/>
+              </a:rPr>
+              <a:t>        </a:t>
+            </a:r>
+            <a:r>
+              <a:rPr lang="pt-BR" b="0" dirty="0">
+                <a:solidFill>
+                  <a:srgbClr val="808080"/>
+                </a:solidFill>
+                <a:effectLst/>
+                <a:latin typeface="Consolas" panose="020B0609020204030204" pitchFamily="49" charset="0"/>
+              </a:rPr>
+              <a:t>&lt;</a:t>
+            </a:r>
+            <a:r>
+              <a:rPr lang="pt-BR" b="0" dirty="0">
+                <a:solidFill>
+                  <a:srgbClr val="569CD6"/>
+                </a:solidFill>
+                <a:effectLst/>
+                <a:latin typeface="Consolas" panose="020B0609020204030204" pitchFamily="49" charset="0"/>
+              </a:rPr>
+              <a:t>meta</a:t>
+            </a:r>
+            <a:r>
+              <a:rPr lang="pt-BR" b="0" dirty="0">
+                <a:solidFill>
+                  <a:srgbClr val="CCCCCC"/>
+                </a:solidFill>
+                <a:effectLst/>
+                <a:latin typeface="Consolas" panose="020B0609020204030204" pitchFamily="49" charset="0"/>
+              </a:rPr>
+              <a:t> </a:t>
+            </a:r>
+            <a:r>
+              <a:rPr lang="pt-BR" b="0" dirty="0" err="1">
+                <a:solidFill>
+                  <a:srgbClr val="9CDCFE"/>
+                </a:solidFill>
+                <a:effectLst/>
+                <a:latin typeface="Consolas" panose="020B0609020204030204" pitchFamily="49" charset="0"/>
+              </a:rPr>
+              <a:t>name</a:t>
+            </a:r>
+            <a:r>
+              <a:rPr lang="pt-BR" b="0" dirty="0">
+                <a:solidFill>
+                  <a:srgbClr val="CCCCCC"/>
+                </a:solidFill>
+                <a:effectLst/>
+                <a:latin typeface="Consolas" panose="020B0609020204030204" pitchFamily="49" charset="0"/>
+              </a:rPr>
+              <a:t>=</a:t>
+            </a:r>
+            <a:r>
+              <a:rPr lang="pt-BR" b="0" dirty="0">
+                <a:solidFill>
+                  <a:srgbClr val="CE9178"/>
+                </a:solidFill>
+                <a:effectLst/>
+                <a:latin typeface="Consolas" panose="020B0609020204030204" pitchFamily="49" charset="0"/>
+              </a:rPr>
+              <a:t>"</a:t>
+            </a:r>
+            <a:r>
+              <a:rPr lang="pt-BR" b="0" dirty="0" err="1">
+                <a:solidFill>
+                  <a:srgbClr val="CE9178"/>
+                </a:solidFill>
+                <a:effectLst/>
+                <a:latin typeface="Consolas" panose="020B0609020204030204" pitchFamily="49" charset="0"/>
+              </a:rPr>
+              <a:t>viewport</a:t>
+            </a:r>
+            <a:r>
+              <a:rPr lang="pt-BR" b="0" dirty="0">
+                <a:solidFill>
+                  <a:srgbClr val="CE9178"/>
+                </a:solidFill>
+                <a:effectLst/>
+                <a:latin typeface="Consolas" panose="020B0609020204030204" pitchFamily="49" charset="0"/>
+              </a:rPr>
+              <a:t>"</a:t>
+            </a:r>
+            <a:r>
+              <a:rPr lang="pt-BR" b="0" dirty="0">
+                <a:solidFill>
+                  <a:srgbClr val="CCCCCC"/>
+                </a:solidFill>
+                <a:effectLst/>
+                <a:latin typeface="Consolas" panose="020B0609020204030204" pitchFamily="49" charset="0"/>
+              </a:rPr>
+              <a:t> </a:t>
+            </a:r>
+            <a:r>
+              <a:rPr lang="pt-BR" b="0" dirty="0" err="1">
+                <a:solidFill>
+                  <a:srgbClr val="9CDCFE"/>
+                </a:solidFill>
+                <a:effectLst/>
+                <a:latin typeface="Consolas" panose="020B0609020204030204" pitchFamily="49" charset="0"/>
+              </a:rPr>
+              <a:t>content</a:t>
+            </a:r>
+            <a:r>
+              <a:rPr lang="pt-BR" b="0" dirty="0">
+                <a:solidFill>
+                  <a:srgbClr val="CCCCCC"/>
+                </a:solidFill>
+                <a:effectLst/>
+                <a:latin typeface="Consolas" panose="020B0609020204030204" pitchFamily="49" charset="0"/>
+              </a:rPr>
+              <a:t>=</a:t>
+            </a:r>
+            <a:r>
+              <a:rPr lang="pt-BR" b="0" dirty="0">
+                <a:solidFill>
+                  <a:srgbClr val="CE9178"/>
+                </a:solidFill>
+                <a:effectLst/>
+                <a:latin typeface="Consolas" panose="020B0609020204030204" pitchFamily="49" charset="0"/>
+              </a:rPr>
+              <a:t>"</a:t>
+            </a:r>
+            <a:r>
+              <a:rPr lang="pt-BR" b="0" dirty="0" err="1">
+                <a:solidFill>
+                  <a:srgbClr val="CE9178"/>
+                </a:solidFill>
+                <a:effectLst/>
+                <a:latin typeface="Consolas" panose="020B0609020204030204" pitchFamily="49" charset="0"/>
+              </a:rPr>
+              <a:t>width</a:t>
+            </a:r>
+            <a:r>
+              <a:rPr lang="pt-BR" b="0" dirty="0">
+                <a:solidFill>
+                  <a:srgbClr val="CE9178"/>
+                </a:solidFill>
+                <a:effectLst/>
+                <a:latin typeface="Consolas" panose="020B0609020204030204" pitchFamily="49" charset="0"/>
+              </a:rPr>
+              <a:t>=device-</a:t>
+            </a:r>
+            <a:r>
+              <a:rPr lang="pt-BR" b="0" dirty="0" err="1">
+                <a:solidFill>
+                  <a:srgbClr val="CE9178"/>
+                </a:solidFill>
+                <a:effectLst/>
+                <a:latin typeface="Consolas" panose="020B0609020204030204" pitchFamily="49" charset="0"/>
+              </a:rPr>
+              <a:t>width</a:t>
+            </a:r>
+            <a:r>
+              <a:rPr lang="pt-BR" b="0" dirty="0">
+                <a:solidFill>
+                  <a:srgbClr val="CE9178"/>
+                </a:solidFill>
+                <a:effectLst/>
+                <a:latin typeface="Consolas" panose="020B0609020204030204" pitchFamily="49" charset="0"/>
+              </a:rPr>
+              <a:t>, </a:t>
+            </a:r>
+            <a:r>
+              <a:rPr lang="pt-BR" b="0" dirty="0" err="1">
+                <a:solidFill>
+                  <a:srgbClr val="CE9178"/>
+                </a:solidFill>
+                <a:effectLst/>
+                <a:latin typeface="Consolas" panose="020B0609020204030204" pitchFamily="49" charset="0"/>
+              </a:rPr>
+              <a:t>initial-scale</a:t>
+            </a:r>
+            <a:r>
+              <a:rPr lang="pt-BR" b="0" dirty="0">
+                <a:solidFill>
+                  <a:srgbClr val="CE9178"/>
+                </a:solidFill>
+                <a:effectLst/>
+                <a:latin typeface="Consolas" panose="020B0609020204030204" pitchFamily="49" charset="0"/>
+              </a:rPr>
+              <a:t>=1.0"</a:t>
+            </a:r>
+            <a:r>
+              <a:rPr lang="pt-BR" b="0" dirty="0">
+                <a:solidFill>
+                  <a:srgbClr val="808080"/>
+                </a:solidFill>
+                <a:effectLst/>
+                <a:latin typeface="Consolas" panose="020B0609020204030204" pitchFamily="49" charset="0"/>
+              </a:rPr>
+              <a:t>&gt;</a:t>
+            </a:r>
+            <a:endParaRPr lang="pt-BR" b="0" dirty="0">
+              <a:solidFill>
+                <a:srgbClr val="CCCCCC"/>
+              </a:solidFill>
+              <a:effectLst/>
+              <a:latin typeface="Consolas" panose="020B0609020204030204" pitchFamily="49" charset="0"/>
+            </a:endParaRPr>
+          </a:p>
+          <a:p>
+            <a:r>
+              <a:rPr lang="pt-BR" b="0" dirty="0">
+                <a:solidFill>
+                  <a:srgbClr val="CCCCCC"/>
+                </a:solidFill>
+                <a:effectLst/>
+                <a:latin typeface="Consolas" panose="020B0609020204030204" pitchFamily="49" charset="0"/>
+              </a:rPr>
+              <a:t>        </a:t>
+            </a:r>
+            <a:r>
+              <a:rPr lang="pt-BR" b="0" dirty="0">
+                <a:solidFill>
+                  <a:srgbClr val="808080"/>
+                </a:solidFill>
+                <a:effectLst/>
+                <a:latin typeface="Consolas" panose="020B0609020204030204" pitchFamily="49" charset="0"/>
+              </a:rPr>
+              <a:t>&lt;</a:t>
+            </a:r>
+            <a:r>
+              <a:rPr lang="pt-BR" b="0" dirty="0" err="1">
+                <a:solidFill>
+                  <a:srgbClr val="569CD6"/>
+                </a:solidFill>
+                <a:effectLst/>
+                <a:latin typeface="Consolas" panose="020B0609020204030204" pitchFamily="49" charset="0"/>
+              </a:rPr>
+              <a:t>title</a:t>
+            </a:r>
+            <a:r>
+              <a:rPr lang="pt-BR" b="0" dirty="0">
+                <a:solidFill>
+                  <a:srgbClr val="808080"/>
+                </a:solidFill>
+                <a:effectLst/>
+                <a:latin typeface="Consolas" panose="020B0609020204030204" pitchFamily="49" charset="0"/>
+              </a:rPr>
+              <a:t>&gt;</a:t>
+            </a:r>
+            <a:r>
+              <a:rPr lang="pt-BR" b="0" dirty="0">
+                <a:solidFill>
+                  <a:srgbClr val="CCCCCC"/>
+                </a:solidFill>
+                <a:effectLst/>
+                <a:latin typeface="Consolas" panose="020B0609020204030204" pitchFamily="49" charset="0"/>
+              </a:rPr>
+              <a:t>Curso HTML</a:t>
+            </a:r>
+            <a:r>
+              <a:rPr lang="pt-BR" b="0" dirty="0">
+                <a:solidFill>
+                  <a:srgbClr val="808080"/>
+                </a:solidFill>
+                <a:effectLst/>
+                <a:latin typeface="Consolas" panose="020B0609020204030204" pitchFamily="49" charset="0"/>
+              </a:rPr>
+              <a:t>&lt;/</a:t>
+            </a:r>
+            <a:r>
+              <a:rPr lang="pt-BR" b="0" dirty="0" err="1">
+                <a:solidFill>
+                  <a:srgbClr val="569CD6"/>
+                </a:solidFill>
+                <a:effectLst/>
+                <a:latin typeface="Consolas" panose="020B0609020204030204" pitchFamily="49" charset="0"/>
+              </a:rPr>
+              <a:t>title</a:t>
+            </a:r>
+            <a:r>
+              <a:rPr lang="pt-BR" b="0" dirty="0">
+                <a:solidFill>
+                  <a:srgbClr val="808080"/>
+                </a:solidFill>
+                <a:effectLst/>
+                <a:latin typeface="Consolas" panose="020B0609020204030204" pitchFamily="49" charset="0"/>
+              </a:rPr>
+              <a:t>&gt;</a:t>
+            </a:r>
+            <a:endParaRPr lang="pt-BR" b="0" dirty="0">
+              <a:solidFill>
+                <a:srgbClr val="CCCCCC"/>
+              </a:solidFill>
+              <a:effectLst/>
+              <a:latin typeface="Consolas" panose="020B0609020204030204" pitchFamily="49" charset="0"/>
+            </a:endParaRPr>
+          </a:p>
+          <a:p>
+            <a:r>
+              <a:rPr lang="pt-BR" b="0" dirty="0">
+                <a:solidFill>
+                  <a:srgbClr val="CCCCCC"/>
+                </a:solidFill>
+                <a:effectLst/>
+                <a:latin typeface="Consolas" panose="020B0609020204030204" pitchFamily="49" charset="0"/>
+              </a:rPr>
+              <a:t>    </a:t>
+            </a:r>
+            <a:r>
+              <a:rPr lang="pt-BR" b="0" dirty="0">
+                <a:solidFill>
+                  <a:srgbClr val="808080"/>
+                </a:solidFill>
+                <a:effectLst/>
+                <a:latin typeface="Consolas" panose="020B0609020204030204" pitchFamily="49" charset="0"/>
+              </a:rPr>
+              <a:t>&lt;/</a:t>
+            </a:r>
+            <a:r>
+              <a:rPr lang="pt-BR" b="0" dirty="0" err="1">
+                <a:solidFill>
+                  <a:srgbClr val="569CD6"/>
+                </a:solidFill>
+                <a:effectLst/>
+                <a:latin typeface="Consolas" panose="020B0609020204030204" pitchFamily="49" charset="0"/>
+              </a:rPr>
+              <a:t>head</a:t>
+            </a:r>
+            <a:r>
+              <a:rPr lang="pt-BR" b="0" dirty="0">
+                <a:solidFill>
+                  <a:srgbClr val="808080"/>
+                </a:solidFill>
+                <a:effectLst/>
+                <a:latin typeface="Consolas" panose="020B0609020204030204" pitchFamily="49" charset="0"/>
+              </a:rPr>
+              <a:t>&gt;</a:t>
+            </a:r>
+            <a:endParaRPr lang="pt-BR" b="0" dirty="0">
+              <a:solidFill>
+                <a:srgbClr val="CCCCCC"/>
+              </a:solidFill>
+              <a:effectLst/>
+              <a:latin typeface="Consolas" panose="020B0609020204030204" pitchFamily="49" charset="0"/>
+            </a:endParaRPr>
+          </a:p>
+          <a:p>
+            <a:r>
+              <a:rPr lang="pt-BR" b="0" dirty="0">
+                <a:solidFill>
+                  <a:srgbClr val="CCCCCC"/>
+                </a:solidFill>
+                <a:effectLst/>
+                <a:latin typeface="Consolas" panose="020B0609020204030204" pitchFamily="49" charset="0"/>
+              </a:rPr>
+              <a:t>    </a:t>
+            </a:r>
+            <a:r>
+              <a:rPr lang="pt-BR" b="0" dirty="0">
+                <a:solidFill>
+                  <a:srgbClr val="808080"/>
+                </a:solidFill>
+                <a:effectLst/>
+                <a:latin typeface="Consolas" panose="020B0609020204030204" pitchFamily="49" charset="0"/>
+              </a:rPr>
+              <a:t>&lt;</a:t>
+            </a:r>
+            <a:r>
+              <a:rPr lang="pt-BR" b="0" dirty="0">
+                <a:solidFill>
+                  <a:srgbClr val="569CD6"/>
+                </a:solidFill>
+                <a:effectLst/>
+                <a:latin typeface="Consolas" panose="020B0609020204030204" pitchFamily="49" charset="0"/>
+              </a:rPr>
+              <a:t>body</a:t>
+            </a:r>
+            <a:r>
+              <a:rPr lang="pt-BR" b="0" dirty="0">
+                <a:solidFill>
+                  <a:srgbClr val="808080"/>
+                </a:solidFill>
+                <a:effectLst/>
+                <a:latin typeface="Consolas" panose="020B0609020204030204" pitchFamily="49" charset="0"/>
+              </a:rPr>
+              <a:t>&gt;</a:t>
+            </a:r>
+            <a:endParaRPr lang="pt-BR" b="0" dirty="0">
+              <a:solidFill>
+                <a:srgbClr val="CCCCCC"/>
+              </a:solidFill>
+              <a:effectLst/>
+              <a:latin typeface="Consolas" panose="020B0609020204030204" pitchFamily="49" charset="0"/>
+            </a:endParaRPr>
+          </a:p>
+          <a:p>
+            <a:r>
+              <a:rPr lang="pt-BR" b="0" dirty="0">
+                <a:solidFill>
+                  <a:srgbClr val="CCCCCC"/>
+                </a:solidFill>
+                <a:effectLst/>
+                <a:latin typeface="Consolas" panose="020B0609020204030204" pitchFamily="49" charset="0"/>
+              </a:rPr>
+              <a:t>        </a:t>
+            </a:r>
+            <a:r>
+              <a:rPr lang="pt-BR" b="0" dirty="0">
+                <a:solidFill>
+                  <a:srgbClr val="808080"/>
+                </a:solidFill>
+                <a:effectLst/>
+                <a:latin typeface="Consolas" panose="020B0609020204030204" pitchFamily="49" charset="0"/>
+              </a:rPr>
+              <a:t>&lt;</a:t>
+            </a:r>
+            <a:r>
+              <a:rPr lang="pt-BR" b="0" dirty="0">
+                <a:solidFill>
+                  <a:srgbClr val="569CD6"/>
+                </a:solidFill>
+                <a:effectLst/>
+                <a:latin typeface="Consolas" panose="020B0609020204030204" pitchFamily="49" charset="0"/>
+              </a:rPr>
+              <a:t>h1</a:t>
+            </a:r>
+            <a:r>
+              <a:rPr lang="pt-BR" b="0" dirty="0">
+                <a:solidFill>
+                  <a:srgbClr val="808080"/>
+                </a:solidFill>
+                <a:effectLst/>
+                <a:latin typeface="Consolas" panose="020B0609020204030204" pitchFamily="49" charset="0"/>
+              </a:rPr>
+              <a:t>&gt;</a:t>
+            </a:r>
+            <a:r>
+              <a:rPr lang="pt-BR" b="0" dirty="0">
+                <a:solidFill>
+                  <a:srgbClr val="CCCCCC"/>
+                </a:solidFill>
+                <a:effectLst/>
+                <a:latin typeface="Consolas" panose="020B0609020204030204" pitchFamily="49" charset="0"/>
+              </a:rPr>
+              <a:t>HTML</a:t>
+            </a:r>
+            <a:r>
+              <a:rPr lang="pt-BR" b="0" dirty="0">
+                <a:solidFill>
+                  <a:srgbClr val="808080"/>
+                </a:solidFill>
+                <a:effectLst/>
+                <a:latin typeface="Consolas" panose="020B0609020204030204" pitchFamily="49" charset="0"/>
+              </a:rPr>
+              <a:t>&lt;/</a:t>
+            </a:r>
+            <a:r>
+              <a:rPr lang="pt-BR" b="0" dirty="0">
+                <a:solidFill>
+                  <a:srgbClr val="569CD6"/>
+                </a:solidFill>
+                <a:effectLst/>
+                <a:latin typeface="Consolas" panose="020B0609020204030204" pitchFamily="49" charset="0"/>
+              </a:rPr>
+              <a:t>h1</a:t>
+            </a:r>
+            <a:r>
+              <a:rPr lang="pt-BR" b="0" dirty="0">
+                <a:solidFill>
+                  <a:srgbClr val="808080"/>
+                </a:solidFill>
+                <a:effectLst/>
+                <a:latin typeface="Consolas" panose="020B0609020204030204" pitchFamily="49" charset="0"/>
+              </a:rPr>
+              <a:t>&gt;</a:t>
+            </a:r>
+            <a:endParaRPr lang="pt-BR" b="0" dirty="0">
+              <a:solidFill>
+                <a:srgbClr val="CCCCCC"/>
+              </a:solidFill>
+              <a:effectLst/>
+              <a:latin typeface="Consolas" panose="020B0609020204030204" pitchFamily="49" charset="0"/>
+            </a:endParaRPr>
+          </a:p>
+          <a:p>
+            <a:r>
+              <a:rPr lang="pt-BR" b="0" dirty="0">
+                <a:solidFill>
+                  <a:srgbClr val="CCCCCC"/>
+                </a:solidFill>
+                <a:effectLst/>
+                <a:latin typeface="Consolas" panose="020B0609020204030204" pitchFamily="49" charset="0"/>
+              </a:rPr>
+              <a:t>        </a:t>
+            </a:r>
+            <a:r>
+              <a:rPr lang="pt-BR" b="0" dirty="0">
+                <a:solidFill>
+                  <a:srgbClr val="808080"/>
+                </a:solidFill>
+                <a:effectLst/>
+                <a:latin typeface="Consolas" panose="020B0609020204030204" pitchFamily="49" charset="0"/>
+              </a:rPr>
+              <a:t>&lt;</a:t>
+            </a:r>
+            <a:r>
+              <a:rPr lang="pt-BR" b="0" dirty="0">
+                <a:solidFill>
+                  <a:srgbClr val="569CD6"/>
+                </a:solidFill>
+                <a:effectLst/>
+                <a:latin typeface="Consolas" panose="020B0609020204030204" pitchFamily="49" charset="0"/>
+              </a:rPr>
+              <a:t>p</a:t>
+            </a:r>
+            <a:r>
+              <a:rPr lang="pt-BR" b="0" dirty="0">
+                <a:solidFill>
+                  <a:srgbClr val="808080"/>
+                </a:solidFill>
+                <a:effectLst/>
+                <a:latin typeface="Consolas" panose="020B0609020204030204" pitchFamily="49" charset="0"/>
+              </a:rPr>
+              <a:t>&gt;</a:t>
+            </a:r>
+            <a:r>
+              <a:rPr lang="pt-BR" b="0" dirty="0">
+                <a:solidFill>
+                  <a:srgbClr val="CCCCCC"/>
+                </a:solidFill>
+                <a:effectLst/>
+                <a:latin typeface="Consolas" panose="020B0609020204030204" pitchFamily="49" charset="0"/>
+              </a:rPr>
+              <a:t>Professor - Fábio</a:t>
+            </a:r>
+            <a:r>
+              <a:rPr lang="pt-BR" b="0" dirty="0">
+                <a:solidFill>
+                  <a:srgbClr val="808080"/>
+                </a:solidFill>
+                <a:effectLst/>
+                <a:latin typeface="Consolas" panose="020B0609020204030204" pitchFamily="49" charset="0"/>
+              </a:rPr>
+              <a:t>&lt;/</a:t>
+            </a:r>
+            <a:r>
+              <a:rPr lang="pt-BR" b="0" dirty="0">
+                <a:solidFill>
+                  <a:srgbClr val="569CD6"/>
+                </a:solidFill>
+                <a:effectLst/>
+                <a:latin typeface="Consolas" panose="020B0609020204030204" pitchFamily="49" charset="0"/>
+              </a:rPr>
+              <a:t>p</a:t>
+            </a:r>
+            <a:r>
+              <a:rPr lang="pt-BR" b="0" dirty="0">
+                <a:solidFill>
+                  <a:srgbClr val="808080"/>
+                </a:solidFill>
+                <a:effectLst/>
+                <a:latin typeface="Consolas" panose="020B0609020204030204" pitchFamily="49" charset="0"/>
+              </a:rPr>
+              <a:t>&gt;</a:t>
+            </a:r>
+            <a:endParaRPr lang="pt-BR" b="0" dirty="0">
+              <a:solidFill>
+                <a:srgbClr val="CCCCCC"/>
+              </a:solidFill>
+              <a:effectLst/>
+              <a:latin typeface="Consolas" panose="020B0609020204030204" pitchFamily="49" charset="0"/>
+            </a:endParaRPr>
+          </a:p>
+          <a:p>
+            <a:r>
+              <a:rPr lang="pt-BR" b="0" dirty="0">
+                <a:solidFill>
+                  <a:srgbClr val="CCCCCC"/>
+                </a:solidFill>
+                <a:effectLst/>
+                <a:latin typeface="Consolas" panose="020B0609020204030204" pitchFamily="49" charset="0"/>
+              </a:rPr>
+              <a:t>    </a:t>
+            </a:r>
+            <a:r>
+              <a:rPr lang="pt-BR" b="0" dirty="0">
+                <a:solidFill>
+                  <a:srgbClr val="808080"/>
+                </a:solidFill>
+                <a:effectLst/>
+                <a:latin typeface="Consolas" panose="020B0609020204030204" pitchFamily="49" charset="0"/>
+              </a:rPr>
+              <a:t>&lt;/</a:t>
+            </a:r>
+            <a:r>
+              <a:rPr lang="pt-BR" b="0" dirty="0">
+                <a:solidFill>
+                  <a:srgbClr val="569CD6"/>
+                </a:solidFill>
+                <a:effectLst/>
+                <a:latin typeface="Consolas" panose="020B0609020204030204" pitchFamily="49" charset="0"/>
+              </a:rPr>
+              <a:t>body</a:t>
+            </a:r>
+            <a:r>
+              <a:rPr lang="pt-BR" b="0" dirty="0">
+                <a:solidFill>
+                  <a:srgbClr val="808080"/>
+                </a:solidFill>
+                <a:effectLst/>
+                <a:latin typeface="Consolas" panose="020B0609020204030204" pitchFamily="49" charset="0"/>
+              </a:rPr>
+              <a:t>&gt;</a:t>
+            </a:r>
+            <a:endParaRPr lang="pt-BR" b="0" dirty="0">
+              <a:solidFill>
+                <a:srgbClr val="CCCCCC"/>
+              </a:solidFill>
+              <a:effectLst/>
+              <a:latin typeface="Consolas" panose="020B0609020204030204" pitchFamily="49" charset="0"/>
+            </a:endParaRPr>
+          </a:p>
+          <a:p>
+            <a:r>
+              <a:rPr lang="pt-BR" b="0" dirty="0">
+                <a:solidFill>
+                  <a:srgbClr val="CCCCCC"/>
+                </a:solidFill>
+                <a:effectLst/>
+                <a:latin typeface="Consolas" panose="020B0609020204030204" pitchFamily="49" charset="0"/>
+              </a:rPr>
+              <a:t>    </a:t>
+            </a:r>
+            <a:r>
+              <a:rPr lang="pt-BR" b="0" dirty="0">
+                <a:solidFill>
+                  <a:srgbClr val="808080"/>
+                </a:solidFill>
+                <a:effectLst/>
+                <a:latin typeface="Consolas" panose="020B0609020204030204" pitchFamily="49" charset="0"/>
+              </a:rPr>
+              <a:t>&lt;/</a:t>
+            </a:r>
+            <a:r>
+              <a:rPr lang="pt-BR" b="0" dirty="0" err="1">
+                <a:solidFill>
+                  <a:srgbClr val="569CD6"/>
+                </a:solidFill>
+                <a:effectLst/>
+                <a:latin typeface="Consolas" panose="020B0609020204030204" pitchFamily="49" charset="0"/>
+              </a:rPr>
+              <a:t>html</a:t>
+            </a:r>
+            <a:r>
+              <a:rPr lang="pt-BR" b="0" dirty="0">
+                <a:solidFill>
+                  <a:srgbClr val="808080"/>
+                </a:solidFill>
+                <a:effectLst/>
+                <a:latin typeface="Consolas" panose="020B0609020204030204" pitchFamily="49" charset="0"/>
+              </a:rPr>
+              <a:t>&gt;</a:t>
+            </a:r>
+            <a:endParaRPr lang="pt-BR" b="0" dirty="0">
+              <a:solidFill>
+                <a:srgbClr val="CCCCCC"/>
+              </a:solidFill>
+              <a:effectLst/>
+              <a:latin typeface="Consolas" panose="020B0609020204030204" pitchFamily="49" charset="0"/>
+            </a:endParaRPr>
+          </a:p>
+          <a:p>
+            <a:r>
+              <a:rPr lang="pt-BR" b="0" dirty="0">
+                <a:solidFill>
+                  <a:srgbClr val="808080"/>
+                </a:solidFill>
+                <a:effectLst/>
+                <a:latin typeface="Consolas" panose="020B0609020204030204" pitchFamily="49" charset="0"/>
+              </a:rPr>
+              <a:t>&lt;/</a:t>
+            </a:r>
+            <a:r>
+              <a:rPr lang="pt-BR" b="0" dirty="0" err="1">
+                <a:solidFill>
+                  <a:srgbClr val="569CD6"/>
+                </a:solidFill>
+                <a:effectLst/>
+                <a:latin typeface="Consolas" panose="020B0609020204030204" pitchFamily="49" charset="0"/>
+              </a:rPr>
+              <a:t>html</a:t>
+            </a:r>
+            <a:r>
+              <a:rPr lang="pt-BR" b="0" dirty="0">
+                <a:solidFill>
+                  <a:srgbClr val="808080"/>
+                </a:solidFill>
+                <a:effectLst/>
+                <a:latin typeface="Consolas" panose="020B0609020204030204" pitchFamily="49" charset="0"/>
+              </a:rPr>
+              <a:t>&gt;</a:t>
+            </a:r>
+            <a:endParaRPr lang="pt-BR" b="0" dirty="0">
+              <a:solidFill>
+                <a:srgbClr val="CCCCCC"/>
+              </a:solidFill>
+              <a:effectLst/>
+              <a:latin typeface="Consolas" panose="020B0609020204030204" pitchFamily="49" charset="0"/>
+            </a:endParaRPr>
+          </a:p>
+        </p:txBody>
+      </p:sp>
+      <p:sp>
+        <p:nvSpPr>
+          <p:cNvPr id="5" name="CaixaDeTexto 4">
+            <a:extLst>
+              <a:ext uri="{FF2B5EF4-FFF2-40B4-BE49-F238E27FC236}">
+                <a16:creationId xmlns:a16="http://schemas.microsoft.com/office/drawing/2014/main" id="{61C43A3A-AD7B-8AE7-990C-8E4492403760}"/>
+              </a:ext>
+            </a:extLst>
+          </p:cNvPr>
+          <p:cNvSpPr txBox="1"/>
+          <p:nvPr/>
+        </p:nvSpPr>
+        <p:spPr>
+          <a:xfrm>
+            <a:off x="508000" y="3214637"/>
+            <a:ext cx="6321778" cy="2308324"/>
+          </a:xfrm>
+          <a:prstGeom prst="rect">
+            <a:avLst/>
+          </a:prstGeom>
+          <a:noFill/>
+        </p:spPr>
+        <p:txBody>
+          <a:bodyPr wrap="square">
+            <a:spAutoFit/>
+          </a:bodyPr>
+          <a:lstStyle/>
+          <a:p>
+            <a:r>
+              <a:rPr lang="pt-BR" b="0" dirty="0">
+                <a:solidFill>
+                  <a:srgbClr val="6A9955"/>
+                </a:solidFill>
+                <a:effectLst/>
+                <a:latin typeface="Consolas" panose="020B0609020204030204" pitchFamily="49" charset="0"/>
+              </a:rPr>
+              <a:t>&lt;!-- #region </a:t>
+            </a:r>
+            <a:endParaRPr lang="pt-BR" b="0" dirty="0">
+              <a:solidFill>
+                <a:srgbClr val="CCCCCC"/>
+              </a:solidFill>
+              <a:effectLst/>
+              <a:latin typeface="Consolas" panose="020B0609020204030204" pitchFamily="49" charset="0"/>
+            </a:endParaRPr>
+          </a:p>
+          <a:p>
+            <a:r>
+              <a:rPr lang="pt-BR" b="0" dirty="0">
+                <a:solidFill>
+                  <a:srgbClr val="6A9955"/>
+                </a:solidFill>
+                <a:effectLst/>
+                <a:latin typeface="Consolas" panose="020B0609020204030204" pitchFamily="49" charset="0"/>
+              </a:rPr>
+              <a:t>Crie uma página HTML</a:t>
+            </a:r>
+            <a:endParaRPr lang="pt-BR" b="0" dirty="0">
+              <a:solidFill>
+                <a:srgbClr val="CCCCCC"/>
+              </a:solidFill>
+              <a:effectLst/>
+              <a:latin typeface="Consolas" panose="020B0609020204030204" pitchFamily="49" charset="0"/>
+            </a:endParaRPr>
+          </a:p>
+          <a:p>
+            <a:r>
+              <a:rPr lang="pt-BR" b="0" dirty="0">
+                <a:solidFill>
+                  <a:srgbClr val="6A9955"/>
+                </a:solidFill>
+                <a:effectLst/>
+                <a:latin typeface="Consolas" panose="020B0609020204030204" pitchFamily="49" charset="0"/>
+              </a:rPr>
+              <a:t>Titulo da Página -&gt; Curso HTML</a:t>
+            </a:r>
+            <a:endParaRPr lang="pt-BR" b="0" dirty="0">
+              <a:solidFill>
+                <a:srgbClr val="CCCCCC"/>
+              </a:solidFill>
+              <a:effectLst/>
+              <a:latin typeface="Consolas" panose="020B0609020204030204" pitchFamily="49" charset="0"/>
+            </a:endParaRPr>
+          </a:p>
+          <a:p>
+            <a:r>
+              <a:rPr lang="pt-BR" b="0" dirty="0">
+                <a:solidFill>
+                  <a:srgbClr val="6A9955"/>
+                </a:solidFill>
+                <a:effectLst/>
+                <a:latin typeface="Consolas" panose="020B0609020204030204" pitchFamily="49" charset="0"/>
+              </a:rPr>
+              <a:t>Título do Corpo -&gt; HTML </a:t>
+            </a:r>
+            <a:endParaRPr lang="pt-BR" b="0" dirty="0">
+              <a:solidFill>
+                <a:srgbClr val="CCCCCC"/>
+              </a:solidFill>
+              <a:effectLst/>
+              <a:latin typeface="Consolas" panose="020B0609020204030204" pitchFamily="49" charset="0"/>
+            </a:endParaRPr>
+          </a:p>
+          <a:p>
+            <a:r>
+              <a:rPr lang="pt-BR" b="0" dirty="0">
+                <a:solidFill>
+                  <a:srgbClr val="6A9955"/>
+                </a:solidFill>
+                <a:effectLst/>
+                <a:latin typeface="Consolas" panose="020B0609020204030204" pitchFamily="49" charset="0"/>
+              </a:rPr>
+              <a:t>Parágrafo -&gt; Seu Nome</a:t>
+            </a:r>
+            <a:endParaRPr lang="pt-BR" b="0" dirty="0">
+              <a:solidFill>
+                <a:srgbClr val="CCCCCC"/>
+              </a:solidFill>
+              <a:effectLst/>
+              <a:latin typeface="Consolas" panose="020B0609020204030204" pitchFamily="49" charset="0"/>
+            </a:endParaRPr>
+          </a:p>
+          <a:p>
+            <a:r>
+              <a:rPr lang="pt-BR" b="0" dirty="0">
+                <a:solidFill>
+                  <a:srgbClr val="6A9955"/>
+                </a:solidFill>
+                <a:effectLst/>
+                <a:latin typeface="Consolas" panose="020B0609020204030204" pitchFamily="49" charset="0"/>
+              </a:rPr>
+              <a:t>Visualize a página - Mobile - Inspecionando a Mesma</a:t>
+            </a:r>
+            <a:endParaRPr lang="pt-BR" b="0" dirty="0">
+              <a:solidFill>
+                <a:srgbClr val="CCCCCC"/>
+              </a:solidFill>
+              <a:effectLst/>
+              <a:latin typeface="Consolas" panose="020B0609020204030204" pitchFamily="49" charset="0"/>
+            </a:endParaRPr>
+          </a:p>
+          <a:p>
+            <a:r>
+              <a:rPr lang="pt-BR" b="0" dirty="0">
+                <a:solidFill>
+                  <a:srgbClr val="6A9955"/>
+                </a:solidFill>
+                <a:effectLst/>
+                <a:latin typeface="Consolas" panose="020B0609020204030204" pitchFamily="49" charset="0"/>
+              </a:rPr>
+              <a:t>--&gt;</a:t>
+            </a:r>
+            <a:endParaRPr lang="pt-BR" b="0" dirty="0">
+              <a:solidFill>
+                <a:srgbClr val="CCCCCC"/>
+              </a:solidFill>
+              <a:effectLst/>
+              <a:latin typeface="Consolas" panose="020B0609020204030204" pitchFamily="49" charset="0"/>
+            </a:endParaRPr>
+          </a:p>
+        </p:txBody>
+      </p:sp>
+      <p:sp>
+        <p:nvSpPr>
+          <p:cNvPr id="6" name="Título 5">
+            <a:extLst>
+              <a:ext uri="{FF2B5EF4-FFF2-40B4-BE49-F238E27FC236}">
+                <a16:creationId xmlns:a16="http://schemas.microsoft.com/office/drawing/2014/main" id="{8AC817E2-FA43-5490-26B9-D5E7343F6DB7}"/>
+              </a:ext>
+            </a:extLst>
+          </p:cNvPr>
+          <p:cNvSpPr>
+            <a:spLocks noGrp="1"/>
+          </p:cNvSpPr>
+          <p:nvPr>
+            <p:ph type="title"/>
+          </p:nvPr>
+        </p:nvSpPr>
+        <p:spPr/>
+        <p:txBody>
+          <a:bodyPr/>
+          <a:lstStyle/>
+          <a:p>
+            <a:r>
+              <a:rPr lang="pt-BR"/>
+              <a:t>Exercício 1</a:t>
+            </a:r>
+          </a:p>
+        </p:txBody>
+      </p:sp>
+    </p:spTree>
+    <p:extLst>
+      <p:ext uri="{BB962C8B-B14F-4D97-AF65-F5344CB8AC3E}">
+        <p14:creationId xmlns:p14="http://schemas.microsoft.com/office/powerpoint/2010/main" val="3519403596"/>
+      </p:ext>
+    </p:extLst>
+  </p:cSld>
+  <p:clrMapOvr>
+    <a:masterClrMapping/>
+  </p:clrMapOvr>
+</p:sld>
+</file>
+
 <file path=ppt/slides/slide2.xml><?xml version="1.0" encoding="utf-8"?>
 <p:sld xmlns:a="http://schemas.openxmlformats.org/drawingml/2006/main" xmlns:r="http://schemas.openxmlformats.org/officeDocument/2006/relationships" xmlns:p="http://schemas.openxmlformats.org/presentationml/2006/main">
   <p:cSld>
@@ -7243,6 +10389,413 @@
 </file>
 
 <file path=ppt/slides/slide4.xml><?xml version="1.0" encoding="utf-8"?>
+<p:sld xmlns:a="http://schemas.openxmlformats.org/drawingml/2006/main" xmlns:r="http://schemas.openxmlformats.org/officeDocument/2006/relationships" xmlns:p="http://schemas.openxmlformats.org/presentationml/2006/main">
+  <p:cSld>
+    <p:spTree>
+      <p:nvGrpSpPr>
+        <p:cNvPr id="1" name=""/>
+        <p:cNvGrpSpPr/>
+        <p:nvPr/>
+      </p:nvGrpSpPr>
+      <p:grpSpPr>
+        <a:xfrm>
+          <a:off x="0" y="0"/>
+          <a:ext cx="0" cy="0"/>
+          <a:chOff x="0" y="0"/>
+          <a:chExt cx="0" cy="0"/>
+        </a:xfrm>
+      </p:grpSpPr>
+      <p:sp>
+        <p:nvSpPr>
+          <p:cNvPr id="2" name="Título 1">
+            <a:extLst>
+              <a:ext uri="{FF2B5EF4-FFF2-40B4-BE49-F238E27FC236}">
+                <a16:creationId xmlns:a16="http://schemas.microsoft.com/office/drawing/2014/main" id="{C5ECD91E-C454-63C5-EC8B-552F07FDA997}"/>
+              </a:ext>
+            </a:extLst>
+          </p:cNvPr>
+          <p:cNvSpPr>
+            <a:spLocks noGrp="1"/>
+          </p:cNvSpPr>
+          <p:nvPr>
+            <p:ph type="title"/>
+          </p:nvPr>
+        </p:nvSpPr>
+        <p:spPr/>
+        <p:txBody>
+          <a:bodyPr/>
+          <a:lstStyle/>
+          <a:p>
+            <a:r>
+              <a:rPr lang="pt-BR" dirty="0"/>
+              <a:t>Auto Preencher</a:t>
+            </a:r>
+          </a:p>
+        </p:txBody>
+      </p:sp>
+      <p:pic>
+        <p:nvPicPr>
+          <p:cNvPr id="4" name="Imagem 3">
+            <a:extLst>
+              <a:ext uri="{FF2B5EF4-FFF2-40B4-BE49-F238E27FC236}">
+                <a16:creationId xmlns:a16="http://schemas.microsoft.com/office/drawing/2014/main" id="{944C7C0E-3C53-4E6D-4386-FFB5F0C0C105}"/>
+              </a:ext>
+            </a:extLst>
+          </p:cNvPr>
+          <p:cNvPicPr>
+            <a:picLocks noChangeAspect="1"/>
+          </p:cNvPicPr>
+          <p:nvPr/>
+        </p:nvPicPr>
+        <p:blipFill>
+          <a:blip r:embed="rId2"/>
+          <a:stretch>
+            <a:fillRect/>
+          </a:stretch>
+        </p:blipFill>
+        <p:spPr>
+          <a:xfrm>
+            <a:off x="1423334" y="2056730"/>
+            <a:ext cx="9345329" cy="4801270"/>
+          </a:xfrm>
+          <a:prstGeom prst="rect">
+            <a:avLst/>
+          </a:prstGeom>
+          <a:ln>
+            <a:noFill/>
+          </a:ln>
+          <a:effectLst>
+            <a:softEdge rad="112500"/>
+          </a:effectLst>
+        </p:spPr>
+      </p:pic>
+    </p:spTree>
+    <p:extLst>
+      <p:ext uri="{BB962C8B-B14F-4D97-AF65-F5344CB8AC3E}">
+        <p14:creationId xmlns:p14="http://schemas.microsoft.com/office/powerpoint/2010/main" val="3378685652"/>
+      </p:ext>
+    </p:extLst>
+  </p:cSld>
+  <p:clrMapOvr>
+    <a:masterClrMapping/>
+  </p:clrMapOvr>
+</p:sld>
+</file>
+
+<file path=ppt/slides/slide5.xml><?xml version="1.0" encoding="utf-8"?>
+<p:sld xmlns:a="http://schemas.openxmlformats.org/drawingml/2006/main" xmlns:r="http://schemas.openxmlformats.org/officeDocument/2006/relationships" xmlns:p="http://schemas.openxmlformats.org/presentationml/2006/main">
+  <p:cSld>
+    <p:spTree>
+      <p:nvGrpSpPr>
+        <p:cNvPr id="1" name=""/>
+        <p:cNvGrpSpPr/>
+        <p:nvPr/>
+      </p:nvGrpSpPr>
+      <p:grpSpPr>
+        <a:xfrm>
+          <a:off x="0" y="0"/>
+          <a:ext cx="0" cy="0"/>
+          <a:chOff x="0" y="0"/>
+          <a:chExt cx="0" cy="0"/>
+        </a:xfrm>
+      </p:grpSpPr>
+      <p:sp>
+        <p:nvSpPr>
+          <p:cNvPr id="2" name="Título 1">
+            <a:extLst>
+              <a:ext uri="{FF2B5EF4-FFF2-40B4-BE49-F238E27FC236}">
+                <a16:creationId xmlns:a16="http://schemas.microsoft.com/office/drawing/2014/main" id="{94AA1CE9-B8F6-D93C-D708-4085FA4A2D66}"/>
+              </a:ext>
+            </a:extLst>
+          </p:cNvPr>
+          <p:cNvSpPr>
+            <a:spLocks noGrp="1"/>
+          </p:cNvSpPr>
+          <p:nvPr>
+            <p:ph type="title"/>
+          </p:nvPr>
+        </p:nvSpPr>
+        <p:spPr/>
+        <p:txBody>
+          <a:bodyPr/>
+          <a:lstStyle/>
+          <a:p>
+            <a:r>
+              <a:rPr lang="pt-BR" dirty="0"/>
+              <a:t>Comentário no HTML</a:t>
+            </a:r>
+          </a:p>
+        </p:txBody>
+      </p:sp>
+      <p:sp>
+        <p:nvSpPr>
+          <p:cNvPr id="3" name="CaixaDeTexto 2">
+            <a:extLst>
+              <a:ext uri="{FF2B5EF4-FFF2-40B4-BE49-F238E27FC236}">
+                <a16:creationId xmlns:a16="http://schemas.microsoft.com/office/drawing/2014/main" id="{2395F560-01F3-F67D-D64F-9D96EBFC2707}"/>
+              </a:ext>
+            </a:extLst>
+          </p:cNvPr>
+          <p:cNvSpPr txBox="1"/>
+          <p:nvPr/>
+        </p:nvSpPr>
+        <p:spPr>
+          <a:xfrm>
+            <a:off x="810000" y="2883399"/>
+            <a:ext cx="6101644" cy="369332"/>
+          </a:xfrm>
+          <a:prstGeom prst="rect">
+            <a:avLst/>
+          </a:prstGeom>
+          <a:noFill/>
+        </p:spPr>
+        <p:txBody>
+          <a:bodyPr wrap="square">
+            <a:spAutoFit/>
+          </a:bodyPr>
+          <a:lstStyle/>
+          <a:p>
+            <a:r>
+              <a:rPr lang="pt-BR" b="0" dirty="0">
+                <a:solidFill>
+                  <a:srgbClr val="CCCCCC"/>
+                </a:solidFill>
+                <a:effectLst/>
+                <a:latin typeface="Consolas" panose="020B0609020204030204" pitchFamily="49" charset="0"/>
+              </a:rPr>
+              <a:t> </a:t>
+            </a:r>
+            <a:r>
+              <a:rPr lang="pt-BR" b="0" dirty="0">
+                <a:solidFill>
+                  <a:srgbClr val="6A9955"/>
+                </a:solidFill>
+                <a:effectLst/>
+                <a:latin typeface="Consolas" panose="020B0609020204030204" pitchFamily="49" charset="0"/>
+              </a:rPr>
+              <a:t>&lt;!-- Comentários --&gt;</a:t>
+            </a:r>
+            <a:endParaRPr lang="pt-BR" b="0" dirty="0">
+              <a:solidFill>
+                <a:srgbClr val="CCCCCC"/>
+              </a:solidFill>
+              <a:effectLst/>
+              <a:latin typeface="Consolas" panose="020B0609020204030204" pitchFamily="49" charset="0"/>
+            </a:endParaRPr>
+          </a:p>
+        </p:txBody>
+      </p:sp>
+      <p:sp>
+        <p:nvSpPr>
+          <p:cNvPr id="4" name="Texto Explicativo: Linha Dobrada 3">
+            <a:extLst>
+              <a:ext uri="{FF2B5EF4-FFF2-40B4-BE49-F238E27FC236}">
+                <a16:creationId xmlns:a16="http://schemas.microsoft.com/office/drawing/2014/main" id="{598CDCAD-5C85-4E5C-EB99-0D922D6EA7FE}"/>
+              </a:ext>
+            </a:extLst>
+          </p:cNvPr>
+          <p:cNvSpPr/>
+          <p:nvPr/>
+        </p:nvSpPr>
+        <p:spPr>
+          <a:xfrm>
+            <a:off x="4605867" y="2467900"/>
+            <a:ext cx="2720622" cy="1200330"/>
+          </a:xfrm>
+          <a:prstGeom prst="borderCallout2">
+            <a:avLst>
+              <a:gd name="adj1" fmla="val 25333"/>
+              <a:gd name="adj2" fmla="val -4184"/>
+              <a:gd name="adj3" fmla="val 30976"/>
+              <a:gd name="adj4" fmla="val -12933"/>
+              <a:gd name="adj5" fmla="val 50032"/>
+              <a:gd name="adj6" fmla="val -35251"/>
+            </a:avLst>
+          </a:prstGeom>
+        </p:spPr>
+        <p:style>
+          <a:lnRef idx="2">
+            <a:schemeClr val="accent1">
+              <a:shade val="50000"/>
+            </a:schemeClr>
+          </a:lnRef>
+          <a:fillRef idx="1">
+            <a:schemeClr val="accent1"/>
+          </a:fillRef>
+          <a:effectRef idx="0">
+            <a:schemeClr val="accent1"/>
+          </a:effectRef>
+          <a:fontRef idx="minor">
+            <a:schemeClr val="lt1"/>
+          </a:fontRef>
+        </p:style>
+        <p:txBody>
+          <a:bodyPr rtlCol="0" anchor="ctr"/>
+          <a:lstStyle/>
+          <a:p>
+            <a:pPr algn="ctr"/>
+            <a:r>
+              <a:rPr lang="pt-BR" dirty="0"/>
+              <a:t>Comentários são ignorados na execução</a:t>
+            </a:r>
+          </a:p>
+        </p:txBody>
+      </p:sp>
+      <p:sp>
+        <p:nvSpPr>
+          <p:cNvPr id="6" name="CaixaDeTexto 5">
+            <a:extLst>
+              <a:ext uri="{FF2B5EF4-FFF2-40B4-BE49-F238E27FC236}">
+                <a16:creationId xmlns:a16="http://schemas.microsoft.com/office/drawing/2014/main" id="{F35F605E-D522-F547-5E9F-97FED4B23691}"/>
+              </a:ext>
+            </a:extLst>
+          </p:cNvPr>
+          <p:cNvSpPr txBox="1"/>
+          <p:nvPr/>
+        </p:nvSpPr>
+        <p:spPr>
+          <a:xfrm>
+            <a:off x="810000" y="4718492"/>
+            <a:ext cx="6101644" cy="1200329"/>
+          </a:xfrm>
+          <a:prstGeom prst="rect">
+            <a:avLst/>
+          </a:prstGeom>
+          <a:noFill/>
+        </p:spPr>
+        <p:txBody>
+          <a:bodyPr wrap="square">
+            <a:spAutoFit/>
+          </a:bodyPr>
+          <a:lstStyle/>
+          <a:p>
+            <a:r>
+              <a:rPr lang="pt-BR" b="0" dirty="0">
+                <a:solidFill>
+                  <a:srgbClr val="6A9955"/>
+                </a:solidFill>
+                <a:effectLst/>
+                <a:latin typeface="Consolas" panose="020B0609020204030204" pitchFamily="49" charset="0"/>
+              </a:rPr>
+              <a:t>&lt;!-- #region </a:t>
+            </a:r>
+            <a:endParaRPr lang="pt-BR" b="0" dirty="0">
+              <a:solidFill>
+                <a:srgbClr val="CCCCCC"/>
+              </a:solidFill>
+              <a:effectLst/>
+              <a:latin typeface="Consolas" panose="020B0609020204030204" pitchFamily="49" charset="0"/>
+            </a:endParaRPr>
+          </a:p>
+          <a:p>
+            <a:br>
+              <a:rPr lang="pt-BR" b="0" dirty="0">
+                <a:solidFill>
+                  <a:srgbClr val="CCCCCC"/>
+                </a:solidFill>
+                <a:effectLst/>
+                <a:latin typeface="Consolas" panose="020B0609020204030204" pitchFamily="49" charset="0"/>
+              </a:rPr>
+            </a:br>
+            <a:br>
+              <a:rPr lang="pt-BR" b="0" dirty="0">
+                <a:solidFill>
+                  <a:srgbClr val="CCCCCC"/>
+                </a:solidFill>
+                <a:effectLst/>
+                <a:latin typeface="Consolas" panose="020B0609020204030204" pitchFamily="49" charset="0"/>
+              </a:rPr>
+            </a:br>
+            <a:r>
+              <a:rPr lang="pt-BR" b="0" dirty="0">
+                <a:solidFill>
+                  <a:srgbClr val="6A9955"/>
+                </a:solidFill>
+                <a:effectLst/>
+                <a:latin typeface="Consolas" panose="020B0609020204030204" pitchFamily="49" charset="0"/>
+              </a:rPr>
+              <a:t>--&gt;</a:t>
+            </a:r>
+            <a:endParaRPr lang="pt-BR" b="0" dirty="0">
+              <a:solidFill>
+                <a:srgbClr val="CCCCCC"/>
+              </a:solidFill>
+              <a:effectLst/>
+              <a:latin typeface="Consolas" panose="020B0609020204030204" pitchFamily="49" charset="0"/>
+            </a:endParaRPr>
+          </a:p>
+        </p:txBody>
+      </p:sp>
+      <p:sp>
+        <p:nvSpPr>
+          <p:cNvPr id="7" name="Texto Explicativo: Linha Dobrada 6">
+            <a:extLst>
+              <a:ext uri="{FF2B5EF4-FFF2-40B4-BE49-F238E27FC236}">
+                <a16:creationId xmlns:a16="http://schemas.microsoft.com/office/drawing/2014/main" id="{B719A31F-18FC-5B6F-49FC-E8443EF2EE14}"/>
+              </a:ext>
+            </a:extLst>
+          </p:cNvPr>
+          <p:cNvSpPr/>
+          <p:nvPr/>
+        </p:nvSpPr>
+        <p:spPr>
+          <a:xfrm>
+            <a:off x="4605867" y="4533826"/>
+            <a:ext cx="2720622" cy="1200330"/>
+          </a:xfrm>
+          <a:prstGeom prst="borderCallout2">
+            <a:avLst>
+              <a:gd name="adj1" fmla="val 25333"/>
+              <a:gd name="adj2" fmla="val -4184"/>
+              <a:gd name="adj3" fmla="val 30976"/>
+              <a:gd name="adj4" fmla="val -12933"/>
+              <a:gd name="adj5" fmla="val 32163"/>
+              <a:gd name="adj6" fmla="val -60562"/>
+            </a:avLst>
+          </a:prstGeom>
+        </p:spPr>
+        <p:style>
+          <a:lnRef idx="2">
+            <a:schemeClr val="accent1">
+              <a:shade val="50000"/>
+            </a:schemeClr>
+          </a:lnRef>
+          <a:fillRef idx="1">
+            <a:schemeClr val="accent1"/>
+          </a:fillRef>
+          <a:effectRef idx="0">
+            <a:schemeClr val="accent1"/>
+          </a:effectRef>
+          <a:fontRef idx="minor">
+            <a:schemeClr val="lt1"/>
+          </a:fontRef>
+        </p:style>
+        <p:txBody>
+          <a:bodyPr rtlCol="0" anchor="ctr"/>
+          <a:lstStyle/>
+          <a:p>
+            <a:pPr algn="ctr"/>
+            <a:r>
+              <a:rPr lang="pt-BR" dirty="0"/>
+              <a:t>Bloco maior para comentários e anotações</a:t>
+            </a:r>
+          </a:p>
+        </p:txBody>
+      </p:sp>
+    </p:spTree>
+    <p:extLst>
+      <p:ext uri="{BB962C8B-B14F-4D97-AF65-F5344CB8AC3E}">
+        <p14:creationId xmlns:p14="http://schemas.microsoft.com/office/powerpoint/2010/main" val="2559974502"/>
+      </p:ext>
+    </p:extLst>
+  </p:cSld>
+  <p:clrMapOvr>
+    <a:masterClrMapping/>
+  </p:clrMapOvr>
+</p:sld>
+</file>
+
+<file path=ppt/slides/slide6.xml><?xml version="1.0" encoding="utf-8"?>
 <p:sld xmlns:a="http://schemas.openxmlformats.org/drawingml/2006/main" xmlns:r="http://schemas.openxmlformats.org/officeDocument/2006/relationships" xmlns:p="http://schemas.openxmlformats.org/presentationml/2006/main">
   <p:cSld>
     <p:spTree>
@@ -7377,7 +10930,202 @@
 </p:sld>
 </file>
 
-<file path=ppt/slides/slide5.xml><?xml version="1.0" encoding="utf-8"?>
+<file path=ppt/slides/slide7.xml><?xml version="1.0" encoding="utf-8"?>
+<p:sld xmlns:a="http://schemas.openxmlformats.org/drawingml/2006/main" xmlns:r="http://schemas.openxmlformats.org/officeDocument/2006/relationships" xmlns:p="http://schemas.openxmlformats.org/presentationml/2006/main">
+  <p:cSld>
+    <p:spTree>
+      <p:nvGrpSpPr>
+        <p:cNvPr id="1" name=""/>
+        <p:cNvGrpSpPr/>
+        <p:nvPr/>
+      </p:nvGrpSpPr>
+      <p:grpSpPr>
+        <a:xfrm>
+          <a:off x="0" y="0"/>
+          <a:ext cx="0" cy="0"/>
+          <a:chOff x="0" y="0"/>
+          <a:chExt cx="0" cy="0"/>
+        </a:xfrm>
+      </p:grpSpPr>
+      <p:sp>
+        <p:nvSpPr>
+          <p:cNvPr id="2" name="Título 1">
+            <a:extLst>
+              <a:ext uri="{FF2B5EF4-FFF2-40B4-BE49-F238E27FC236}">
+                <a16:creationId xmlns:a16="http://schemas.microsoft.com/office/drawing/2014/main" id="{5C9F522B-0985-9948-A3F9-0E9CC36B1FB0}"/>
+              </a:ext>
+            </a:extLst>
+          </p:cNvPr>
+          <p:cNvSpPr>
+            <a:spLocks noGrp="1"/>
+          </p:cNvSpPr>
+          <p:nvPr>
+            <p:ph type="title"/>
+          </p:nvPr>
+        </p:nvSpPr>
+        <p:spPr/>
+        <p:txBody>
+          <a:bodyPr/>
+          <a:lstStyle/>
+          <a:p>
+            <a:r>
+              <a:rPr lang="pt-BR" dirty="0"/>
+              <a:t>Meta</a:t>
+            </a:r>
+          </a:p>
+        </p:txBody>
+      </p:sp>
+      <p:sp>
+        <p:nvSpPr>
+          <p:cNvPr id="3" name="Espaço Reservado para Conteúdo 2">
+            <a:extLst>
+              <a:ext uri="{FF2B5EF4-FFF2-40B4-BE49-F238E27FC236}">
+                <a16:creationId xmlns:a16="http://schemas.microsoft.com/office/drawing/2014/main" id="{2F95136A-DB64-83A9-93E1-F5177D9298B8}"/>
+              </a:ext>
+            </a:extLst>
+          </p:cNvPr>
+          <p:cNvSpPr>
+            <a:spLocks noGrp="1"/>
+          </p:cNvSpPr>
+          <p:nvPr>
+            <p:ph idx="1"/>
+          </p:nvPr>
+        </p:nvSpPr>
+        <p:spPr>
+          <a:xfrm>
+            <a:off x="6389510" y="2222287"/>
+            <a:ext cx="4983775" cy="3636511"/>
+          </a:xfrm>
+        </p:spPr>
+        <p:txBody>
+          <a:bodyPr/>
+          <a:lstStyle/>
+          <a:p>
+            <a:r>
+              <a:rPr lang="pt-BR" dirty="0"/>
+              <a:t>A meta </a:t>
+            </a:r>
+            <a:r>
+              <a:rPr lang="pt-BR" dirty="0" err="1"/>
+              <a:t>tag</a:t>
+            </a:r>
+            <a:r>
+              <a:rPr lang="pt-BR" dirty="0"/>
+              <a:t> &lt;meta </a:t>
+            </a:r>
+            <a:r>
+              <a:rPr lang="pt-BR" dirty="0" err="1"/>
+              <a:t>name</a:t>
+            </a:r>
+            <a:r>
+              <a:rPr lang="pt-BR" dirty="0"/>
+              <a:t>="</a:t>
+            </a:r>
+            <a:r>
+              <a:rPr lang="pt-BR" dirty="0" err="1"/>
+              <a:t>viewport</a:t>
+            </a:r>
+            <a:r>
+              <a:rPr lang="pt-BR" dirty="0"/>
+              <a:t>" </a:t>
+            </a:r>
+            <a:r>
+              <a:rPr lang="pt-BR" dirty="0" err="1"/>
+              <a:t>content</a:t>
+            </a:r>
+            <a:r>
+              <a:rPr lang="pt-BR" dirty="0"/>
+              <a:t>="</a:t>
+            </a:r>
+            <a:r>
+              <a:rPr lang="pt-BR" dirty="0" err="1"/>
+              <a:t>width</a:t>
+            </a:r>
+            <a:r>
+              <a:rPr lang="pt-BR" dirty="0"/>
+              <a:t>=device-</a:t>
+            </a:r>
+            <a:r>
+              <a:rPr lang="pt-BR" dirty="0" err="1"/>
+              <a:t>width</a:t>
+            </a:r>
+            <a:r>
+              <a:rPr lang="pt-BR" dirty="0"/>
+              <a:t>, </a:t>
+            </a:r>
+            <a:r>
+              <a:rPr lang="pt-BR" dirty="0" err="1"/>
+              <a:t>initial-scale</a:t>
+            </a:r>
+            <a:r>
+              <a:rPr lang="pt-BR" dirty="0"/>
+              <a:t>=1.0"&gt; é utilizado em páginas web para controlar a forma como a página é exibida em dispositivos móveis. Este </a:t>
+            </a:r>
+            <a:r>
+              <a:rPr lang="pt-BR" dirty="0" err="1"/>
+              <a:t>tag</a:t>
+            </a:r>
+            <a:r>
+              <a:rPr lang="pt-BR" dirty="0"/>
+              <a:t> é essencial para garantir que o layout da página seja responsivo, ajustando-se adequadamente a diferentes tamanhos de tela.</a:t>
+            </a:r>
+          </a:p>
+        </p:txBody>
+      </p:sp>
+      <p:pic>
+        <p:nvPicPr>
+          <p:cNvPr id="5" name="Imagem 4">
+            <a:extLst>
+              <a:ext uri="{FF2B5EF4-FFF2-40B4-BE49-F238E27FC236}">
+                <a16:creationId xmlns:a16="http://schemas.microsoft.com/office/drawing/2014/main" id="{826F9FC3-BED0-33C0-3E78-552E4DC1E08B}"/>
+              </a:ext>
+            </a:extLst>
+          </p:cNvPr>
+          <p:cNvPicPr>
+            <a:picLocks noChangeAspect="1"/>
+          </p:cNvPicPr>
+          <p:nvPr/>
+        </p:nvPicPr>
+        <p:blipFill>
+          <a:blip r:embed="rId2"/>
+          <a:stretch>
+            <a:fillRect/>
+          </a:stretch>
+        </p:blipFill>
+        <p:spPr>
+          <a:xfrm>
+            <a:off x="617903" y="2812690"/>
+            <a:ext cx="5670901" cy="2455703"/>
+          </a:xfrm>
+          <a:prstGeom prst="rect">
+            <a:avLst/>
+          </a:prstGeom>
+          <a:ln>
+            <a:noFill/>
+          </a:ln>
+          <a:effectLst>
+            <a:outerShdw blurRad="292100" dist="139700" dir="2700000" algn="tl" rotWithShape="0">
+              <a:srgbClr val="333333">
+                <a:alpha val="65000"/>
+              </a:srgbClr>
+            </a:outerShdw>
+          </a:effectLst>
+        </p:spPr>
+      </p:pic>
+    </p:spTree>
+    <p:extLst>
+      <p:ext uri="{BB962C8B-B14F-4D97-AF65-F5344CB8AC3E}">
+        <p14:creationId xmlns:p14="http://schemas.microsoft.com/office/powerpoint/2010/main" val="2403902532"/>
+      </p:ext>
+    </p:extLst>
+  </p:cSld>
+  <p:clrMapOvr>
+    <a:masterClrMapping/>
+  </p:clrMapOvr>
+</p:sld>
+</file>
+
+<file path=ppt/slides/slide8.xml><?xml version="1.0" encoding="utf-8"?>
 <p:sld xmlns:a="http://schemas.openxmlformats.org/drawingml/2006/main" xmlns:r="http://schemas.openxmlformats.org/officeDocument/2006/relationships" xmlns:p="http://schemas.openxmlformats.org/presentationml/2006/main">
   <p:cSld>
     <p:spTree>
@@ -7545,7 +11293,7 @@
 </p:sld>
 </file>
 
-<file path=ppt/slides/slide6.xml><?xml version="1.0" encoding="utf-8"?>
+<file path=ppt/slides/slide9.xml><?xml version="1.0" encoding="utf-8"?>
 <p:sld xmlns:a="http://schemas.openxmlformats.org/drawingml/2006/main" xmlns:r="http://schemas.openxmlformats.org/officeDocument/2006/relationships" xmlns:p="http://schemas.openxmlformats.org/presentationml/2006/main">
   <p:cSld>
     <p:spTree>
